--- a/Whiteboard design session/WDS trainer presentation - Big Compute.pptx
+++ b/Whiteboard design session/WDS trainer presentation - Big Compute.pptx
@@ -6,7 +6,7 @@
     <p:sldMasterId id="2147483665" r:id="rId2"/>
   </p:sldMasterIdLst>
   <p:notesMasterIdLst>
-    <p:notesMasterId r:id="rId31"/>
+    <p:notesMasterId r:id="rId35"/>
   </p:notesMasterIdLst>
   <p:sldIdLst>
     <p:sldId id="300" r:id="rId3"/>
@@ -29,14 +29,18 @@
     <p:sldId id="328" r:id="rId20"/>
     <p:sldId id="330" r:id="rId21"/>
     <p:sldId id="331" r:id="rId22"/>
-    <p:sldId id="332" r:id="rId23"/>
-    <p:sldId id="333" r:id="rId24"/>
-    <p:sldId id="334" r:id="rId25"/>
-    <p:sldId id="319" r:id="rId26"/>
-    <p:sldId id="335" r:id="rId27"/>
-    <p:sldId id="336" r:id="rId28"/>
-    <p:sldId id="337" r:id="rId29"/>
-    <p:sldId id="318" r:id="rId30"/>
+    <p:sldId id="338" r:id="rId23"/>
+    <p:sldId id="339" r:id="rId24"/>
+    <p:sldId id="340" r:id="rId25"/>
+    <p:sldId id="332" r:id="rId26"/>
+    <p:sldId id="333" r:id="rId27"/>
+    <p:sldId id="334" r:id="rId28"/>
+    <p:sldId id="341" r:id="rId29"/>
+    <p:sldId id="319" r:id="rId30"/>
+    <p:sldId id="335" r:id="rId31"/>
+    <p:sldId id="336" r:id="rId32"/>
+    <p:sldId id="337" r:id="rId33"/>
+    <p:sldId id="318" r:id="rId34"/>
   </p:sldIdLst>
   <p:sldSz cx="12192000" cy="6858000"/>
   <p:notesSz cx="6858000" cy="9144000"/>
@@ -236,7 +240,7 @@
           <a:p>
             <a:fld id="{52A13B17-C506-4D51-BB37-16B365906619}" type="datetimeFigureOut">
               <a:rPr lang="en-US" smtClean="0"/>
-              <a:t>7/17/2018</a:t>
+              <a:t>7/31/2018</a:t>
             </a:fld>
             <a:endParaRPr lang="en-US" dirty="0"/>
           </a:p>
@@ -1821,7 +1825,7 @@
     </p:spTree>
     <p:extLst>
       <p:ext uri="{BB962C8B-B14F-4D97-AF65-F5344CB8AC3E}">
-        <p14:creationId xmlns:p14="http://schemas.microsoft.com/office/powerpoint/2010/main" val="4142267390"/>
+        <p14:creationId xmlns:p14="http://schemas.microsoft.com/office/powerpoint/2010/main" val="505331544"/>
       </p:ext>
     </p:extLst>
   </p:cSld>
@@ -1905,7 +1909,7 @@
     </p:spTree>
     <p:extLst>
       <p:ext uri="{BB962C8B-B14F-4D97-AF65-F5344CB8AC3E}">
-        <p14:creationId xmlns:p14="http://schemas.microsoft.com/office/powerpoint/2010/main" val="694151228"/>
+        <p14:creationId xmlns:p14="http://schemas.microsoft.com/office/powerpoint/2010/main" val="2905008270"/>
       </p:ext>
     </p:extLst>
   </p:cSld>
@@ -1989,7 +1993,7 @@
     </p:spTree>
     <p:extLst>
       <p:ext uri="{BB962C8B-B14F-4D97-AF65-F5344CB8AC3E}">
-        <p14:creationId xmlns:p14="http://schemas.microsoft.com/office/powerpoint/2010/main" val="991878566"/>
+        <p14:creationId xmlns:p14="http://schemas.microsoft.com/office/powerpoint/2010/main" val="1326987667"/>
       </p:ext>
     </p:extLst>
   </p:cSld>
@@ -2073,7 +2077,7 @@
     </p:spTree>
     <p:extLst>
       <p:ext uri="{BB962C8B-B14F-4D97-AF65-F5344CB8AC3E}">
-        <p14:creationId xmlns:p14="http://schemas.microsoft.com/office/powerpoint/2010/main" val="4115832635"/>
+        <p14:creationId xmlns:p14="http://schemas.microsoft.com/office/powerpoint/2010/main" val="4142267390"/>
       </p:ext>
     </p:extLst>
   </p:cSld>
@@ -2157,7 +2161,7 @@
     </p:spTree>
     <p:extLst>
       <p:ext uri="{BB962C8B-B14F-4D97-AF65-F5344CB8AC3E}">
-        <p14:creationId xmlns:p14="http://schemas.microsoft.com/office/powerpoint/2010/main" val="3850325105"/>
+        <p14:creationId xmlns:p14="http://schemas.microsoft.com/office/powerpoint/2010/main" val="694151228"/>
       </p:ext>
     </p:extLst>
   </p:cSld>
@@ -2241,7 +2245,7 @@
     </p:spTree>
     <p:extLst>
       <p:ext uri="{BB962C8B-B14F-4D97-AF65-F5344CB8AC3E}">
-        <p14:creationId xmlns:p14="http://schemas.microsoft.com/office/powerpoint/2010/main" val="3432815463"/>
+        <p14:creationId xmlns:p14="http://schemas.microsoft.com/office/powerpoint/2010/main" val="991878566"/>
       </p:ext>
     </p:extLst>
   </p:cSld>
@@ -2325,7 +2329,7 @@
     </p:spTree>
     <p:extLst>
       <p:ext uri="{BB962C8B-B14F-4D97-AF65-F5344CB8AC3E}">
-        <p14:creationId xmlns:p14="http://schemas.microsoft.com/office/powerpoint/2010/main" val="491387216"/>
+        <p14:creationId xmlns:p14="http://schemas.microsoft.com/office/powerpoint/2010/main" val="2285154895"/>
       </p:ext>
     </p:extLst>
   </p:cSld>
@@ -2409,7 +2413,91 @@
     </p:spTree>
     <p:extLst>
       <p:ext uri="{BB962C8B-B14F-4D97-AF65-F5344CB8AC3E}">
-        <p14:creationId xmlns:p14="http://schemas.microsoft.com/office/powerpoint/2010/main" val="671285550"/>
+        <p14:creationId xmlns:p14="http://schemas.microsoft.com/office/powerpoint/2010/main" val="4115832635"/>
+      </p:ext>
+    </p:extLst>
+  </p:cSld>
+  <p:clrMapOvr>
+    <a:masterClrMapping/>
+  </p:clrMapOvr>
+</p:notes>
+</file>
+
+<file path=ppt/notesSlides/notesSlide29.xml><?xml version="1.0" encoding="utf-8"?>
+<p:notes xmlns:a="http://schemas.openxmlformats.org/drawingml/2006/main" xmlns:r="http://schemas.openxmlformats.org/officeDocument/2006/relationships" xmlns:p="http://schemas.openxmlformats.org/presentationml/2006/main">
+  <p:cSld>
+    <p:spTree>
+      <p:nvGrpSpPr>
+        <p:cNvPr id="1" name=""/>
+        <p:cNvGrpSpPr/>
+        <p:nvPr/>
+      </p:nvGrpSpPr>
+      <p:grpSpPr>
+        <a:xfrm>
+          <a:off x="0" y="0"/>
+          <a:ext cx="0" cy="0"/>
+          <a:chOff x="0" y="0"/>
+          <a:chExt cx="0" cy="0"/>
+        </a:xfrm>
+      </p:grpSpPr>
+      <p:sp>
+        <p:nvSpPr>
+          <p:cNvPr id="2" name="Slide Image Placeholder 1"/>
+          <p:cNvSpPr>
+            <a:spLocks noGrp="1" noRot="1" noChangeAspect="1"/>
+          </p:cNvSpPr>
+          <p:nvPr>
+            <p:ph type="sldImg"/>
+          </p:nvPr>
+        </p:nvSpPr>
+        <p:spPr/>
+      </p:sp>
+      <p:sp>
+        <p:nvSpPr>
+          <p:cNvPr id="3" name="Notes Placeholder 2"/>
+          <p:cNvSpPr>
+            <a:spLocks noGrp="1"/>
+          </p:cNvSpPr>
+          <p:nvPr>
+            <p:ph type="body" idx="1"/>
+          </p:nvPr>
+        </p:nvSpPr>
+        <p:spPr/>
+        <p:txBody>
+          <a:bodyPr/>
+          <a:lstStyle/>
+          <a:p>
+            <a:endParaRPr lang="en-US" dirty="0"/>
+          </a:p>
+        </p:txBody>
+      </p:sp>
+      <p:sp>
+        <p:nvSpPr>
+          <p:cNvPr id="4" name="Slide Number Placeholder 3"/>
+          <p:cNvSpPr>
+            <a:spLocks noGrp="1"/>
+          </p:cNvSpPr>
+          <p:nvPr>
+            <p:ph type="sldNum" sz="quarter" idx="10"/>
+          </p:nvPr>
+        </p:nvSpPr>
+        <p:spPr/>
+        <p:txBody>
+          <a:bodyPr/>
+          <a:lstStyle/>
+          <a:p>
+            <a:fld id="{0998D5BB-B127-481F-BC0A-2F77C576BB34}" type="slidenum">
+              <a:rPr lang="en-US" smtClean="0"/>
+              <a:t>29</a:t>
+            </a:fld>
+            <a:endParaRPr lang="en-US" dirty="0"/>
+          </a:p>
+        </p:txBody>
+      </p:sp>
+    </p:spTree>
+    <p:extLst>
+      <p:ext uri="{BB962C8B-B14F-4D97-AF65-F5344CB8AC3E}">
+        <p14:creationId xmlns:p14="http://schemas.microsoft.com/office/powerpoint/2010/main" val="3850325105"/>
       </p:ext>
     </p:extLst>
   </p:cSld>
@@ -2494,6 +2582,258 @@
     <p:extLst>
       <p:ext uri="{BB962C8B-B14F-4D97-AF65-F5344CB8AC3E}">
         <p14:creationId xmlns:p14="http://schemas.microsoft.com/office/powerpoint/2010/main" val="1812498391"/>
+      </p:ext>
+    </p:extLst>
+  </p:cSld>
+  <p:clrMapOvr>
+    <a:masterClrMapping/>
+  </p:clrMapOvr>
+</p:notes>
+</file>
+
+<file path=ppt/notesSlides/notesSlide30.xml><?xml version="1.0" encoding="utf-8"?>
+<p:notes xmlns:a="http://schemas.openxmlformats.org/drawingml/2006/main" xmlns:r="http://schemas.openxmlformats.org/officeDocument/2006/relationships" xmlns:p="http://schemas.openxmlformats.org/presentationml/2006/main">
+  <p:cSld>
+    <p:spTree>
+      <p:nvGrpSpPr>
+        <p:cNvPr id="1" name=""/>
+        <p:cNvGrpSpPr/>
+        <p:nvPr/>
+      </p:nvGrpSpPr>
+      <p:grpSpPr>
+        <a:xfrm>
+          <a:off x="0" y="0"/>
+          <a:ext cx="0" cy="0"/>
+          <a:chOff x="0" y="0"/>
+          <a:chExt cx="0" cy="0"/>
+        </a:xfrm>
+      </p:grpSpPr>
+      <p:sp>
+        <p:nvSpPr>
+          <p:cNvPr id="2" name="Slide Image Placeholder 1"/>
+          <p:cNvSpPr>
+            <a:spLocks noGrp="1" noRot="1" noChangeAspect="1"/>
+          </p:cNvSpPr>
+          <p:nvPr>
+            <p:ph type="sldImg"/>
+          </p:nvPr>
+        </p:nvSpPr>
+        <p:spPr/>
+      </p:sp>
+      <p:sp>
+        <p:nvSpPr>
+          <p:cNvPr id="3" name="Notes Placeholder 2"/>
+          <p:cNvSpPr>
+            <a:spLocks noGrp="1"/>
+          </p:cNvSpPr>
+          <p:nvPr>
+            <p:ph type="body" idx="1"/>
+          </p:nvPr>
+        </p:nvSpPr>
+        <p:spPr/>
+        <p:txBody>
+          <a:bodyPr/>
+          <a:lstStyle/>
+          <a:p>
+            <a:endParaRPr lang="en-US" dirty="0"/>
+          </a:p>
+        </p:txBody>
+      </p:sp>
+      <p:sp>
+        <p:nvSpPr>
+          <p:cNvPr id="4" name="Slide Number Placeholder 3"/>
+          <p:cNvSpPr>
+            <a:spLocks noGrp="1"/>
+          </p:cNvSpPr>
+          <p:nvPr>
+            <p:ph type="sldNum" sz="quarter" idx="10"/>
+          </p:nvPr>
+        </p:nvSpPr>
+        <p:spPr/>
+        <p:txBody>
+          <a:bodyPr/>
+          <a:lstStyle/>
+          <a:p>
+            <a:fld id="{0998D5BB-B127-481F-BC0A-2F77C576BB34}" type="slidenum">
+              <a:rPr lang="en-US" smtClean="0"/>
+              <a:t>30</a:t>
+            </a:fld>
+            <a:endParaRPr lang="en-US" dirty="0"/>
+          </a:p>
+        </p:txBody>
+      </p:sp>
+    </p:spTree>
+    <p:extLst>
+      <p:ext uri="{BB962C8B-B14F-4D97-AF65-F5344CB8AC3E}">
+        <p14:creationId xmlns:p14="http://schemas.microsoft.com/office/powerpoint/2010/main" val="3432815463"/>
+      </p:ext>
+    </p:extLst>
+  </p:cSld>
+  <p:clrMapOvr>
+    <a:masterClrMapping/>
+  </p:clrMapOvr>
+</p:notes>
+</file>
+
+<file path=ppt/notesSlides/notesSlide31.xml><?xml version="1.0" encoding="utf-8"?>
+<p:notes xmlns:a="http://schemas.openxmlformats.org/drawingml/2006/main" xmlns:r="http://schemas.openxmlformats.org/officeDocument/2006/relationships" xmlns:p="http://schemas.openxmlformats.org/presentationml/2006/main">
+  <p:cSld>
+    <p:spTree>
+      <p:nvGrpSpPr>
+        <p:cNvPr id="1" name=""/>
+        <p:cNvGrpSpPr/>
+        <p:nvPr/>
+      </p:nvGrpSpPr>
+      <p:grpSpPr>
+        <a:xfrm>
+          <a:off x="0" y="0"/>
+          <a:ext cx="0" cy="0"/>
+          <a:chOff x="0" y="0"/>
+          <a:chExt cx="0" cy="0"/>
+        </a:xfrm>
+      </p:grpSpPr>
+      <p:sp>
+        <p:nvSpPr>
+          <p:cNvPr id="2" name="Slide Image Placeholder 1"/>
+          <p:cNvSpPr>
+            <a:spLocks noGrp="1" noRot="1" noChangeAspect="1"/>
+          </p:cNvSpPr>
+          <p:nvPr>
+            <p:ph type="sldImg"/>
+          </p:nvPr>
+        </p:nvSpPr>
+        <p:spPr/>
+      </p:sp>
+      <p:sp>
+        <p:nvSpPr>
+          <p:cNvPr id="3" name="Notes Placeholder 2"/>
+          <p:cNvSpPr>
+            <a:spLocks noGrp="1"/>
+          </p:cNvSpPr>
+          <p:nvPr>
+            <p:ph type="body" idx="1"/>
+          </p:nvPr>
+        </p:nvSpPr>
+        <p:spPr/>
+        <p:txBody>
+          <a:bodyPr/>
+          <a:lstStyle/>
+          <a:p>
+            <a:endParaRPr lang="en-US" dirty="0"/>
+          </a:p>
+        </p:txBody>
+      </p:sp>
+      <p:sp>
+        <p:nvSpPr>
+          <p:cNvPr id="4" name="Slide Number Placeholder 3"/>
+          <p:cNvSpPr>
+            <a:spLocks noGrp="1"/>
+          </p:cNvSpPr>
+          <p:nvPr>
+            <p:ph type="sldNum" sz="quarter" idx="10"/>
+          </p:nvPr>
+        </p:nvSpPr>
+        <p:spPr/>
+        <p:txBody>
+          <a:bodyPr/>
+          <a:lstStyle/>
+          <a:p>
+            <a:fld id="{0998D5BB-B127-481F-BC0A-2F77C576BB34}" type="slidenum">
+              <a:rPr lang="en-US" smtClean="0"/>
+              <a:t>31</a:t>
+            </a:fld>
+            <a:endParaRPr lang="en-US" dirty="0"/>
+          </a:p>
+        </p:txBody>
+      </p:sp>
+    </p:spTree>
+    <p:extLst>
+      <p:ext uri="{BB962C8B-B14F-4D97-AF65-F5344CB8AC3E}">
+        <p14:creationId xmlns:p14="http://schemas.microsoft.com/office/powerpoint/2010/main" val="491387216"/>
+      </p:ext>
+    </p:extLst>
+  </p:cSld>
+  <p:clrMapOvr>
+    <a:masterClrMapping/>
+  </p:clrMapOvr>
+</p:notes>
+</file>
+
+<file path=ppt/notesSlides/notesSlide32.xml><?xml version="1.0" encoding="utf-8"?>
+<p:notes xmlns:a="http://schemas.openxmlformats.org/drawingml/2006/main" xmlns:r="http://schemas.openxmlformats.org/officeDocument/2006/relationships" xmlns:p="http://schemas.openxmlformats.org/presentationml/2006/main">
+  <p:cSld>
+    <p:spTree>
+      <p:nvGrpSpPr>
+        <p:cNvPr id="1" name=""/>
+        <p:cNvGrpSpPr/>
+        <p:nvPr/>
+      </p:nvGrpSpPr>
+      <p:grpSpPr>
+        <a:xfrm>
+          <a:off x="0" y="0"/>
+          <a:ext cx="0" cy="0"/>
+          <a:chOff x="0" y="0"/>
+          <a:chExt cx="0" cy="0"/>
+        </a:xfrm>
+      </p:grpSpPr>
+      <p:sp>
+        <p:nvSpPr>
+          <p:cNvPr id="2" name="Slide Image Placeholder 1"/>
+          <p:cNvSpPr>
+            <a:spLocks noGrp="1" noRot="1" noChangeAspect="1"/>
+          </p:cNvSpPr>
+          <p:nvPr>
+            <p:ph type="sldImg"/>
+          </p:nvPr>
+        </p:nvSpPr>
+        <p:spPr/>
+      </p:sp>
+      <p:sp>
+        <p:nvSpPr>
+          <p:cNvPr id="3" name="Notes Placeholder 2"/>
+          <p:cNvSpPr>
+            <a:spLocks noGrp="1"/>
+          </p:cNvSpPr>
+          <p:nvPr>
+            <p:ph type="body" idx="1"/>
+          </p:nvPr>
+        </p:nvSpPr>
+        <p:spPr/>
+        <p:txBody>
+          <a:bodyPr/>
+          <a:lstStyle/>
+          <a:p>
+            <a:endParaRPr lang="en-US" dirty="0"/>
+          </a:p>
+        </p:txBody>
+      </p:sp>
+      <p:sp>
+        <p:nvSpPr>
+          <p:cNvPr id="4" name="Slide Number Placeholder 3"/>
+          <p:cNvSpPr>
+            <a:spLocks noGrp="1"/>
+          </p:cNvSpPr>
+          <p:nvPr>
+            <p:ph type="sldNum" sz="quarter" idx="10"/>
+          </p:nvPr>
+        </p:nvSpPr>
+        <p:spPr/>
+        <p:txBody>
+          <a:bodyPr/>
+          <a:lstStyle/>
+          <a:p>
+            <a:fld id="{0998D5BB-B127-481F-BC0A-2F77C576BB34}" type="slidenum">
+              <a:rPr lang="en-US" smtClean="0"/>
+              <a:t>32</a:t>
+            </a:fld>
+            <a:endParaRPr lang="en-US" dirty="0"/>
+          </a:p>
+        </p:txBody>
+      </p:sp>
+    </p:spTree>
+    <p:extLst>
+      <p:ext uri="{BB962C8B-B14F-4D97-AF65-F5344CB8AC3E}">
+        <p14:creationId xmlns:p14="http://schemas.microsoft.com/office/powerpoint/2010/main" val="671285550"/>
       </p:ext>
     </p:extLst>
   </p:cSld>
@@ -18367,7 +18707,7 @@
         <p:spPr>
           <a:xfrm>
             <a:off x="343120" y="1048500"/>
-            <a:ext cx="11036080" cy="5941897"/>
+            <a:ext cx="11036080" cy="2063912"/>
           </a:xfrm>
           <a:prstGeom prst="rect">
             <a:avLst/>
@@ -18389,101 +18729,104 @@
                 <a:latin typeface="+mj-lt"/>
                 <a:cs typeface="Segoe UI" panose="020B0502040204020203" pitchFamily="34" charset="0"/>
               </a:rPr>
-              <a:t>Operationalizing and Integrating</a:t>
+              <a:t>Batch Computing</a:t>
             </a:r>
           </a:p>
           <a:p>
             <a:pPr defTabSz="914411"/>
             <a:r>
-              <a:rPr lang="en-GB" sz="2800" i="1" dirty="0">
+              <a:rPr lang="en-US" sz="2800" i="1" dirty="0">
                 <a:solidFill>
                   <a:prstClr val="white"/>
                 </a:solidFill>
+                <a:latin typeface="+mj-lt"/>
                 <a:cs typeface="Segoe UI" panose="020B0502040204020203" pitchFamily="34" charset="0"/>
               </a:rPr>
-              <a:t>Can ThoughtRender connect their Batch Rendering workloads in Azure to their Rendering workloads on-premises? </a:t>
-            </a:r>
-          </a:p>
-          <a:p>
-            <a:pPr marL="342900" indent="-342900" defTabSz="914411">
+              <a:t>Will this data be stored on compute instances during a batch run? Would you store data on each compute node working in a batch, or would you store data in a shared area?</a:t>
+            </a:r>
+            <a:endParaRPr lang="en-GB" sz="2800" dirty="0">
+              <a:solidFill>
+                <a:prstClr val="white"/>
+              </a:solidFill>
+              <a:latin typeface="+mj-lt"/>
+              <a:cs typeface="Segoe UI" panose="020B0502040204020203" pitchFamily="34" charset="0"/>
+            </a:endParaRPr>
+          </a:p>
+        </p:txBody>
+      </p:sp>
+      <p:sp>
+        <p:nvSpPr>
+          <p:cNvPr id="3" name="TextBox 2"/>
+          <p:cNvSpPr txBox="1"/>
+          <p:nvPr/>
+        </p:nvSpPr>
+        <p:spPr>
+          <a:xfrm>
+            <a:off x="473526" y="3021309"/>
+            <a:ext cx="10626596" cy="2511457"/>
+          </a:xfrm>
+          <a:prstGeom prst="rect">
+            <a:avLst/>
+          </a:prstGeom>
+          <a:noFill/>
+        </p:spPr>
+        <p:txBody>
+          <a:bodyPr wrap="square" lIns="182880" tIns="146304" rIns="182880" bIns="146304" rtlCol="0">
+            <a:spAutoFit/>
+          </a:bodyPr>
+          <a:lstStyle/>
+          <a:p>
+            <a:pPr marL="285750" indent="-285750" defTabSz="914411">
               <a:buFont typeface="Arial" panose="020B0604020202020204" pitchFamily="34" charset="0"/>
               <a:buChar char="•"/>
             </a:pPr>
             <a:r>
-              <a:rPr lang="en-GB" sz="2400" dirty="0">
+              <a:rPr lang="en-US" sz="2400" dirty="0">
                 <a:solidFill>
                   <a:prstClr val="white"/>
                 </a:solidFill>
+                <a:latin typeface="+mj-lt"/>
                 <a:cs typeface="Segoe UI" panose="020B0502040204020203" pitchFamily="34" charset="0"/>
               </a:rPr>
-              <a:t>Yes</a:t>
-            </a:r>
-          </a:p>
-          <a:p>
-            <a:pPr marL="342900" indent="-342900" defTabSz="914411">
+              <a:t>The answer depends on the workload </a:t>
+            </a:r>
+          </a:p>
+          <a:p>
+            <a:pPr marL="285750" indent="-285750" defTabSz="914411">
               <a:buFont typeface="Arial" panose="020B0604020202020204" pitchFamily="34" charset="0"/>
               <a:buChar char="•"/>
             </a:pPr>
             <a:r>
-              <a:rPr lang="en-GB" sz="2400" dirty="0">
+              <a:rPr lang="en-US" sz="2400" dirty="0">
                 <a:solidFill>
                   <a:prstClr val="white"/>
                 </a:solidFill>
+                <a:latin typeface="+mj-lt"/>
                 <a:cs typeface="Segoe UI" panose="020B0502040204020203" pitchFamily="34" charset="0"/>
               </a:rPr>
-              <a:t>Options include application-level connections (assuming a network connection such as VPN is already in place) </a:t>
-            </a:r>
-          </a:p>
-          <a:p>
-            <a:pPr marL="342900" indent="-342900" defTabSz="914411">
+              <a:t>For compute rendering, it may be best to storage the data in a shared area (i.e., parallel filesystem or SMB storage share) </a:t>
+            </a:r>
+          </a:p>
+          <a:p>
+            <a:pPr marL="285750" indent="-285750" defTabSz="914411">
               <a:buFont typeface="Arial" panose="020B0604020202020204" pitchFamily="34" charset="0"/>
               <a:buChar char="•"/>
             </a:pPr>
             <a:r>
-              <a:rPr lang="en-GB" sz="2400" dirty="0">
+              <a:rPr lang="en-US" sz="2400" dirty="0">
                 <a:solidFill>
                   <a:prstClr val="white"/>
                 </a:solidFill>
+                <a:latin typeface="+mj-lt"/>
                 <a:cs typeface="Segoe UI" panose="020B0502040204020203" pitchFamily="34" charset="0"/>
               </a:rPr>
-              <a:t>Check what type of HPC compute cluster that ThoughtRender uses on- premises, and check the scheduling and batch software they use on those systems </a:t>
-            </a:r>
-          </a:p>
-          <a:p>
-            <a:pPr marL="342900" indent="-342900" defTabSz="914411">
-              <a:buFont typeface="Arial" panose="020B0604020202020204" pitchFamily="34" charset="0"/>
-              <a:buChar char="•"/>
-            </a:pPr>
-            <a:r>
-              <a:rPr lang="en-GB" sz="2400" dirty="0">
-                <a:solidFill>
-                  <a:prstClr val="white"/>
-                </a:solidFill>
-                <a:cs typeface="Segoe UI" panose="020B0502040204020203" pitchFamily="34" charset="0"/>
-              </a:rPr>
-              <a:t>Some of this software (e.g., HPC Pack, IBM LSF, Slurm, Univa GridEngine) have integrations possible with Azure to allow “bursting” (i.e., keeping head node control on-premises, and sending compute jobs to compute nodes running on Azure – basically extending the on-premises HPC cluster into the cloud)</a:t>
-            </a:r>
-          </a:p>
-          <a:p>
-            <a:pPr defTabSz="914411"/>
-            <a:r>
-              <a:rPr lang="en-GB" sz="2000" dirty="0">
-                <a:solidFill>
-                  <a:prstClr val="white"/>
-                </a:solidFill>
-                <a:latin typeface="Segoe UI" panose="020B0502040204020203" pitchFamily="34" charset="0"/>
-                <a:cs typeface="Segoe UI" panose="020B0502040204020203" pitchFamily="34" charset="0"/>
-              </a:rPr>
-              <a:t> </a:t>
-            </a:r>
-          </a:p>
-          <a:p>
-            <a:pPr defTabSz="914411"/>
-            <a:endParaRPr lang="en-GB" sz="2000" dirty="0">
+              <a:t>For image processing, data during a batch run may be OK to be stored on local SSD disk attached to the compute nodes -- used only for the duration of the batch workload</a:t>
+            </a:r>
+            <a:endParaRPr lang="en-GB" sz="2400" dirty="0">
               <a:solidFill>
                 <a:prstClr val="white"/>
               </a:solidFill>
-              <a:latin typeface="Segoe UI" panose="020B0502040204020203" pitchFamily="34" charset="0"/>
+              <a:latin typeface="+mj-lt"/>
               <a:cs typeface="Segoe UI" panose="020B0502040204020203" pitchFamily="34" charset="0"/>
             </a:endParaRPr>
           </a:p>
@@ -18492,7 +18835,7 @@
     </p:spTree>
     <p:extLst>
       <p:ext uri="{BB962C8B-B14F-4D97-AF65-F5344CB8AC3E}">
-        <p14:creationId xmlns:p14="http://schemas.microsoft.com/office/powerpoint/2010/main" val="1276096322"/>
+        <p14:creationId xmlns:p14="http://schemas.microsoft.com/office/powerpoint/2010/main" val="3287668315"/>
       </p:ext>
     </p:extLst>
   </p:cSld>
@@ -18585,7 +18928,7 @@
         <p:spPr>
           <a:xfrm>
             <a:off x="343120" y="1048500"/>
-            <a:ext cx="11036080" cy="5634121"/>
+            <a:ext cx="11036080" cy="1202138"/>
           </a:xfrm>
           <a:prstGeom prst="rect">
             <a:avLst/>
@@ -18607,122 +18950,88 @@
                 <a:latin typeface="+mj-lt"/>
                 <a:cs typeface="Segoe UI" panose="020B0502040204020203" pitchFamily="34" charset="0"/>
               </a:rPr>
-              <a:t>Operationalizing and Integrating</a:t>
+              <a:t>Batch Computing</a:t>
             </a:r>
           </a:p>
           <a:p>
             <a:pPr defTabSz="914411"/>
             <a:r>
-              <a:rPr lang="en-GB" sz="2800" i="1" dirty="0">
+              <a:rPr lang="en-US" sz="2800" i="1" dirty="0">
                 <a:solidFill>
                   <a:prstClr val="white"/>
                 </a:solidFill>
+                <a:latin typeface="+mj-lt"/>
                 <a:cs typeface="Segoe UI" panose="020B0502040204020203" pitchFamily="34" charset="0"/>
               </a:rPr>
-              <a:t>Is it possible for ThoughtRender to keep their Azure infrastructure separate from their on-premises HPC clusters? </a:t>
-            </a:r>
-          </a:p>
-          <a:p>
-            <a:pPr marL="342900" indent="-342900" defTabSz="914411">
+              <a:t>What sort of performance will be required from this storage?</a:t>
+            </a:r>
+            <a:endParaRPr lang="en-GB" sz="2800" dirty="0">
+              <a:solidFill>
+                <a:prstClr val="white"/>
+              </a:solidFill>
+              <a:latin typeface="+mj-lt"/>
+              <a:cs typeface="Segoe UI" panose="020B0502040204020203" pitchFamily="34" charset="0"/>
+            </a:endParaRPr>
+          </a:p>
+        </p:txBody>
+      </p:sp>
+      <p:sp>
+        <p:nvSpPr>
+          <p:cNvPr id="3" name="TextBox 2"/>
+          <p:cNvSpPr txBox="1"/>
+          <p:nvPr/>
+        </p:nvSpPr>
+        <p:spPr>
+          <a:xfrm>
+            <a:off x="473526" y="2250638"/>
+            <a:ext cx="11036080" cy="2142125"/>
+          </a:xfrm>
+          <a:prstGeom prst="rect">
+            <a:avLst/>
+          </a:prstGeom>
+          <a:noFill/>
+        </p:spPr>
+        <p:txBody>
+          <a:bodyPr wrap="square" lIns="182880" tIns="146304" rIns="182880" bIns="146304" rtlCol="0">
+            <a:spAutoFit/>
+          </a:bodyPr>
+          <a:lstStyle/>
+          <a:p>
+            <a:pPr marL="285750" indent="-285750" defTabSz="914411">
               <a:buFont typeface="Arial" panose="020B0604020202020204" pitchFamily="34" charset="0"/>
               <a:buChar char="•"/>
             </a:pPr>
             <a:r>
-              <a:rPr lang="en-GB" sz="2400" dirty="0">
+              <a:rPr lang="en-US" sz="2400" dirty="0">
                 <a:solidFill>
                   <a:prstClr val="white"/>
                 </a:solidFill>
+                <a:latin typeface="+mj-lt"/>
                 <a:cs typeface="Segoe UI" panose="020B0502040204020203" pitchFamily="34" charset="0"/>
               </a:rPr>
-              <a:t>Yes</a:t>
-            </a:r>
-          </a:p>
-          <a:p>
-            <a:pPr marL="342900" indent="-342900" defTabSz="914411">
+              <a:t>It is a good idea to check/benchmark this against what the customer currently uses </a:t>
+            </a:r>
+          </a:p>
+          <a:p>
+            <a:pPr marL="285750" indent="-285750" defTabSz="914411">
               <a:buFont typeface="Arial" panose="020B0604020202020204" pitchFamily="34" charset="0"/>
               <a:buChar char="•"/>
             </a:pPr>
             <a:r>
-              <a:rPr lang="en-GB" sz="2400" dirty="0">
+              <a:rPr lang="en-US" sz="2400" dirty="0">
                 <a:solidFill>
                   <a:prstClr val="white"/>
                 </a:solidFill>
+                <a:latin typeface="+mj-lt"/>
                 <a:cs typeface="Segoe UI" panose="020B0502040204020203" pitchFamily="34" charset="0"/>
               </a:rPr>
-              <a:t>Separate clusters can be created in Azure, and configuration easily repeated or applied using Azure ARM templates, or using CycleCloud software</a:t>
-            </a:r>
-          </a:p>
-          <a:p>
-            <a:pPr marL="342900" indent="-342900" defTabSz="914411">
-              <a:buFont typeface="Arial" panose="020B0604020202020204" pitchFamily="34" charset="0"/>
-              <a:buChar char="•"/>
-            </a:pPr>
-            <a:endParaRPr lang="en-GB" sz="2000" dirty="0">
+              <a:t>The storage used should be able to "feed" all of the compute nodes for the duration of the run, such that the compute cores on the compute nodes are fully utilized</a:t>
+            </a:r>
+            <a:endParaRPr lang="en-GB" sz="2400" dirty="0">
               <a:solidFill>
                 <a:prstClr val="white"/>
               </a:solidFill>
-              <a:cs typeface="Segoe UI" panose="020B0502040204020203" pitchFamily="34" charset="0"/>
-            </a:endParaRPr>
-          </a:p>
-          <a:p>
-            <a:pPr defTabSz="914411"/>
-            <a:r>
-              <a:rPr lang="en-GB" sz="2800" i="1" dirty="0">
-                <a:solidFill>
-                  <a:prstClr val="white"/>
-                </a:solidFill>
-                <a:cs typeface="Segoe UI" panose="020B0502040204020203" pitchFamily="34" charset="0"/>
-              </a:rPr>
-              <a:t>Are special types of compute instances needed for remote workstations in Azure?</a:t>
-            </a:r>
-          </a:p>
-          <a:p>
-            <a:pPr marL="342900" indent="-342900" defTabSz="914411">
-              <a:buFont typeface="Arial" panose="020B0604020202020204" pitchFamily="34" charset="0"/>
-              <a:buChar char="•"/>
-            </a:pPr>
-            <a:r>
-              <a:rPr lang="en-GB" sz="2400" dirty="0">
-                <a:solidFill>
-                  <a:prstClr val="white"/>
-                </a:solidFill>
-                <a:cs typeface="Segoe UI" panose="020B0502040204020203" pitchFamily="34" charset="0"/>
-              </a:rPr>
-              <a:t>Yes, the “NV” (NVIDIA Visualisation) compute instances should be used </a:t>
-            </a:r>
-          </a:p>
-          <a:p>
-            <a:pPr marL="342900" indent="-342900" defTabSz="914411">
-              <a:buFont typeface="Arial" panose="020B0604020202020204" pitchFamily="34" charset="0"/>
-              <a:buChar char="•"/>
-            </a:pPr>
-            <a:r>
-              <a:rPr lang="en-GB" sz="2400" dirty="0">
-                <a:solidFill>
-                  <a:prstClr val="white"/>
-                </a:solidFill>
-                <a:cs typeface="Segoe UI" panose="020B0502040204020203" pitchFamily="34" charset="0"/>
-              </a:rPr>
-              <a:t>These contain special NVIDIA GRID technology graphics cards (e.g., NVIDIA M60), specialized for visualizations and remote workstation use</a:t>
-            </a:r>
-          </a:p>
-          <a:p>
-            <a:pPr defTabSz="914411"/>
-            <a:endParaRPr lang="en-GB" sz="2000" dirty="0">
-              <a:solidFill>
-                <a:prstClr val="white"/>
-              </a:solidFill>
-              <a:latin typeface="Segoe UI" panose="020B0502040204020203" pitchFamily="34" charset="0"/>
-              <a:cs typeface="Segoe UI" panose="020B0502040204020203" pitchFamily="34" charset="0"/>
-            </a:endParaRPr>
-          </a:p>
-          <a:p>
-            <a:pPr defTabSz="914411"/>
-            <a:endParaRPr lang="en-GB" sz="2000" dirty="0">
-              <a:solidFill>
-                <a:prstClr val="white"/>
-              </a:solidFill>
-              <a:latin typeface="Segoe UI" panose="020B0502040204020203" pitchFamily="34" charset="0"/>
+              <a:latin typeface="+mj-lt"/>
               <a:cs typeface="Segoe UI" panose="020B0502040204020203" pitchFamily="34" charset="0"/>
             </a:endParaRPr>
           </a:p>
@@ -18731,7 +19040,7 @@
     </p:spTree>
     <p:extLst>
       <p:ext uri="{BB962C8B-B14F-4D97-AF65-F5344CB8AC3E}">
-        <p14:creationId xmlns:p14="http://schemas.microsoft.com/office/powerpoint/2010/main" val="2670072316"/>
+        <p14:creationId xmlns:p14="http://schemas.microsoft.com/office/powerpoint/2010/main" val="4006685611"/>
       </p:ext>
     </p:extLst>
   </p:cSld>
@@ -18823,8 +19132,8 @@
         </p:nvSpPr>
         <p:spPr>
           <a:xfrm>
-            <a:off x="3887665" y="925670"/>
-            <a:ext cx="7952643" cy="6434340"/>
+            <a:off x="343120" y="1048500"/>
+            <a:ext cx="11036080" cy="1202138"/>
           </a:xfrm>
           <a:prstGeom prst="rect">
             <a:avLst/>
@@ -18846,158 +19155,113 @@
                 <a:latin typeface="+mj-lt"/>
                 <a:cs typeface="Segoe UI" panose="020B0502040204020203" pitchFamily="34" charset="0"/>
               </a:rPr>
-              <a:t>Operationalizing and Integrating</a:t>
+              <a:t>Batch Computing</a:t>
             </a:r>
           </a:p>
           <a:p>
             <a:pPr defTabSz="914411"/>
             <a:r>
-              <a:rPr lang="en-GB" sz="2800" i="1" dirty="0">
+              <a:rPr lang="en-US" sz="2800" i="1" dirty="0">
                 <a:solidFill>
                   <a:prstClr val="white"/>
                 </a:solidFill>
                 <a:latin typeface="+mj-lt"/>
                 <a:cs typeface="Segoe UI" panose="020B0502040204020203" pitchFamily="34" charset="0"/>
               </a:rPr>
-              <a:t>Is a special type of software required for client access? Could users simply use remote desktop? Would this perform the way ThoughtRender (or their customers) would like it to?</a:t>
-            </a:r>
-          </a:p>
-          <a:p>
-            <a:pPr marL="342900" indent="-342900" defTabSz="914411">
+              <a:t>Will this data need to be backed up or archived?</a:t>
+            </a:r>
+            <a:endParaRPr lang="en-GB" sz="2800" dirty="0">
+              <a:solidFill>
+                <a:prstClr val="white"/>
+              </a:solidFill>
+              <a:latin typeface="+mj-lt"/>
+              <a:cs typeface="Segoe UI" panose="020B0502040204020203" pitchFamily="34" charset="0"/>
+            </a:endParaRPr>
+          </a:p>
+        </p:txBody>
+      </p:sp>
+      <p:sp>
+        <p:nvSpPr>
+          <p:cNvPr id="3" name="TextBox 2"/>
+          <p:cNvSpPr txBox="1"/>
+          <p:nvPr/>
+        </p:nvSpPr>
+        <p:spPr>
+          <a:xfrm>
+            <a:off x="473526" y="2250638"/>
+            <a:ext cx="11036080" cy="2880789"/>
+          </a:xfrm>
+          <a:prstGeom prst="rect">
+            <a:avLst/>
+          </a:prstGeom>
+          <a:noFill/>
+        </p:spPr>
+        <p:txBody>
+          <a:bodyPr wrap="square" lIns="182880" tIns="146304" rIns="182880" bIns="146304" rtlCol="0">
+            <a:spAutoFit/>
+          </a:bodyPr>
+          <a:lstStyle/>
+          <a:p>
+            <a:pPr marL="285750" indent="-285750" defTabSz="914411">
               <a:buFont typeface="Arial" panose="020B0604020202020204" pitchFamily="34" charset="0"/>
               <a:buChar char="•"/>
             </a:pPr>
             <a:r>
-              <a:rPr lang="en-GB" sz="2400" dirty="0">
+              <a:rPr lang="en-US" sz="2400" dirty="0">
                 <a:solidFill>
                   <a:prstClr val="white"/>
                 </a:solidFill>
                 <a:latin typeface="+mj-lt"/>
                 <a:cs typeface="Segoe UI" panose="020B0502040204020203" pitchFamily="34" charset="0"/>
               </a:rPr>
-              <a:t>Typically, for “high end” workstation users, specialized software is needed for the best performing remote desktop technology</a:t>
-            </a:r>
-          </a:p>
-          <a:p>
-            <a:pPr marL="342900" indent="-342900" defTabSz="914411">
+              <a:t>Data during a compute run is typically referred to as "scratch" data, and may not be needed after the compute run, and can be discarded </a:t>
+            </a:r>
+          </a:p>
+          <a:p>
+            <a:pPr marL="285750" indent="-285750" defTabSz="914411">
               <a:buFont typeface="Arial" panose="020B0604020202020204" pitchFamily="34" charset="0"/>
               <a:buChar char="•"/>
             </a:pPr>
             <a:r>
-              <a:rPr lang="en-GB" sz="2400" dirty="0">
+              <a:rPr lang="en-US" sz="2400" dirty="0">
                 <a:solidFill>
                   <a:prstClr val="white"/>
                 </a:solidFill>
                 <a:latin typeface="+mj-lt"/>
                 <a:cs typeface="Segoe UI" panose="020B0502040204020203" pitchFamily="34" charset="0"/>
               </a:rPr>
-              <a:t>For example, “low latency” is must when interacting with 3D models in real-time </a:t>
-            </a:r>
-          </a:p>
-          <a:p>
-            <a:pPr marL="342900" indent="-342900" defTabSz="914411">
+              <a:t>Care should be taken that the output of the compute run is stored/saved elsewhere before the "scratch" storage used during the compute run is destroyed </a:t>
+            </a:r>
+          </a:p>
+          <a:p>
+            <a:pPr marL="285750" indent="-285750" defTabSz="914411">
               <a:buFont typeface="Arial" panose="020B0604020202020204" pitchFamily="34" charset="0"/>
               <a:buChar char="•"/>
             </a:pPr>
             <a:r>
-              <a:rPr lang="en-GB" sz="2400" dirty="0">
+              <a:rPr lang="en-US" sz="2400" dirty="0">
                 <a:solidFill>
                   <a:prstClr val="white"/>
                 </a:solidFill>
                 <a:latin typeface="+mj-lt"/>
                 <a:cs typeface="Segoe UI" panose="020B0502040204020203" pitchFamily="34" charset="0"/>
               </a:rPr>
-              <a:t>Partner solution software and technology in this space includes Teradici and Citrix HDX</a:t>
-            </a:r>
-          </a:p>
-          <a:p>
-            <a:pPr marL="342900" indent="-342900" defTabSz="914411">
-              <a:buFont typeface="Arial" panose="020B0604020202020204" pitchFamily="34" charset="0"/>
-              <a:buChar char="•"/>
-            </a:pPr>
-            <a:r>
-              <a:rPr lang="en-GB" sz="2400" dirty="0">
-                <a:solidFill>
-                  <a:prstClr val="white"/>
-                </a:solidFill>
-                <a:latin typeface="+mj-lt"/>
-                <a:cs typeface="Segoe UI" panose="020B0502040204020203" pitchFamily="34" charset="0"/>
-              </a:rPr>
-              <a:t>These solutions are secure and can ensure color correctness</a:t>
-            </a:r>
-            <a:endParaRPr lang="en-GB" sz="2000" dirty="0">
+              <a:t>Depending on the use case, it may be practical to "archive" all of the compute run data, including the interim data normally thrown away -- this may save time to recall later if a project needs to be re-done</a:t>
+            </a:r>
+            <a:endParaRPr lang="en-GB" sz="2400" dirty="0">
               <a:solidFill>
                 <a:prstClr val="white"/>
               </a:solidFill>
-              <a:latin typeface="Segoe UI" panose="020B0502040204020203" pitchFamily="34" charset="0"/>
+              <a:latin typeface="+mj-lt"/>
               <a:cs typeface="Segoe UI" panose="020B0502040204020203" pitchFamily="34" charset="0"/>
             </a:endParaRPr>
           </a:p>
-          <a:p>
-            <a:pPr defTabSz="914411"/>
-            <a:endParaRPr lang="en-GB" sz="2000" dirty="0">
-              <a:solidFill>
-                <a:prstClr val="white"/>
-              </a:solidFill>
-              <a:latin typeface="Segoe UI" panose="020B0502040204020203" pitchFamily="34" charset="0"/>
-              <a:cs typeface="Segoe UI" panose="020B0502040204020203" pitchFamily="34" charset="0"/>
-            </a:endParaRPr>
-          </a:p>
-          <a:p>
-            <a:pPr defTabSz="914411"/>
-            <a:endParaRPr lang="en-GB" sz="2000" dirty="0">
-              <a:solidFill>
-                <a:prstClr val="white"/>
-              </a:solidFill>
-              <a:latin typeface="Segoe UI" panose="020B0502040204020203" pitchFamily="34" charset="0"/>
-              <a:cs typeface="Segoe UI" panose="020B0502040204020203" pitchFamily="34" charset="0"/>
-            </a:endParaRPr>
-          </a:p>
         </p:txBody>
       </p:sp>
-      <p:pic>
-        <p:nvPicPr>
-          <p:cNvPr id="4" name="Graphic 3" descr="Desktop computer and server icons" title="Desktop computer and server icons">
-            <a:extLst>
-              <a:ext uri="{FF2B5EF4-FFF2-40B4-BE49-F238E27FC236}">
-                <a16:creationId xmlns:a16="http://schemas.microsoft.com/office/drawing/2014/main" id="{4A15D9CE-8C46-4E72-A060-27E85DAF49B6}"/>
-              </a:ext>
-            </a:extLst>
-          </p:cNvPr>
-          <p:cNvPicPr>
-            <a:picLocks noChangeAspect="1"/>
-          </p:cNvPicPr>
-          <p:nvPr/>
-        </p:nvPicPr>
-        <p:blipFill>
-          <a:blip r:embed="rId3">
-            <a:extLst>
-              <a:ext uri="{28A0092B-C50C-407E-A947-70E740481C1C}">
-                <a14:useLocalDpi xmlns:a14="http://schemas.microsoft.com/office/drawing/2010/main" val="0"/>
-              </a:ext>
-              <a:ext uri="{96DAC541-7B7A-43D3-8B79-37D633B846F1}">
-                <asvg:svgBlip xmlns:asvg="http://schemas.microsoft.com/office/drawing/2016/SVG/main" r:embed="rId4"/>
-              </a:ext>
-            </a:extLst>
-          </a:blip>
-          <a:stretch>
-            <a:fillRect/>
-          </a:stretch>
-        </p:blipFill>
-        <p:spPr>
-          <a:xfrm>
-            <a:off x="571500" y="812127"/>
-            <a:ext cx="2794000" cy="2794000"/>
-          </a:xfrm>
-          <a:prstGeom prst="rect">
-            <a:avLst/>
-          </a:prstGeom>
-        </p:spPr>
-      </p:pic>
     </p:spTree>
     <p:extLst>
       <p:ext uri="{BB962C8B-B14F-4D97-AF65-F5344CB8AC3E}">
-        <p14:creationId xmlns:p14="http://schemas.microsoft.com/office/powerpoint/2010/main" val="1587060111"/>
+        <p14:creationId xmlns:p14="http://schemas.microsoft.com/office/powerpoint/2010/main" val="3131627012"/>
       </p:ext>
     </p:extLst>
   </p:cSld>
@@ -19056,7 +19320,7 @@
                 </a:solidFill>
                 <a:cs typeface="Segoe UI" panose="020B0502040204020203" pitchFamily="34" charset="0"/>
               </a:rPr>
-              <a:t>Preferred objections handling</a:t>
+              <a:t>Preferred solution</a:t>
             </a:r>
             <a:br>
               <a:rPr lang="en-US" dirty="0">
@@ -19077,202 +19341,137 @@
       </p:sp>
       <p:sp>
         <p:nvSpPr>
-          <p:cNvPr id="3" name="Content Placeholder 2"/>
-          <p:cNvSpPr>
-            <a:spLocks noGrp="1"/>
-          </p:cNvSpPr>
-          <p:nvPr>
-            <p:ph type="body" sz="quarter" idx="10"/>
-          </p:nvPr>
+          <p:cNvPr id="7" name="TextBox 6">
+            <a:extLst>
+              <a:ext uri="{FF2B5EF4-FFF2-40B4-BE49-F238E27FC236}">
+                <a16:creationId xmlns:a16="http://schemas.microsoft.com/office/drawing/2014/main" id="{5A4E2701-6F6A-4DEC-987F-47B34CB8AF43}"/>
+              </a:ext>
+            </a:extLst>
+          </p:cNvPr>
+          <p:cNvSpPr txBox="1"/>
+          <p:nvPr/>
         </p:nvSpPr>
         <p:spPr>
           <a:xfrm>
-            <a:off x="269239" y="966439"/>
-            <a:ext cx="11653523" cy="5179873"/>
+            <a:off x="343120" y="1048500"/>
+            <a:ext cx="11036080" cy="5941897"/>
           </a:xfrm>
+          <a:prstGeom prst="rect">
+            <a:avLst/>
+          </a:prstGeom>
+          <a:noFill/>
         </p:spPr>
         <p:txBody>
-          <a:bodyPr>
-            <a:noAutofit/>
+          <a:bodyPr wrap="square" lIns="134469" tIns="107576" rIns="134469" bIns="107576" rtlCol="0">
+            <a:spAutoFit/>
           </a:bodyPr>
           <a:lstStyle/>
           <a:p>
-            <a:pPr marL="0" indent="0">
-              <a:spcAft>
-                <a:spcPts val="882"/>
-              </a:spcAft>
-              <a:buNone/>
+            <a:pPr defTabSz="914411"/>
+            <a:r>
+              <a:rPr lang="en-US" sz="3600" b="1" dirty="0">
+                <a:solidFill>
+                  <a:prstClr val="white"/>
+                </a:solidFill>
+                <a:latin typeface="+mj-lt"/>
+                <a:cs typeface="Segoe UI" panose="020B0502040204020203" pitchFamily="34" charset="0"/>
+              </a:rPr>
+              <a:t>Operationalizing and Integrating</a:t>
+            </a:r>
+          </a:p>
+          <a:p>
+            <a:pPr defTabSz="914411"/>
+            <a:r>
+              <a:rPr lang="en-GB" sz="2800" i="1" dirty="0">
+                <a:solidFill>
+                  <a:prstClr val="white"/>
+                </a:solidFill>
+                <a:cs typeface="Segoe UI" panose="020B0502040204020203" pitchFamily="34" charset="0"/>
+              </a:rPr>
+              <a:t>Can ThoughtRender connect their Batch Rendering workloads in Azure to their Rendering workloads on-premises? </a:t>
+            </a:r>
+          </a:p>
+          <a:p>
+            <a:pPr marL="342900" indent="-342900" defTabSz="914411">
+              <a:buFont typeface="Arial" panose="020B0604020202020204" pitchFamily="34" charset="0"/>
+              <a:buChar char="•"/>
             </a:pPr>
             <a:r>
-              <a:rPr lang="en-US" sz="2800" i="1" dirty="0">
+              <a:rPr lang="en-GB" sz="2400" dirty="0">
                 <a:solidFill>
-                  <a:schemeClr val="tx1"/>
+                  <a:prstClr val="white"/>
                 </a:solidFill>
-                <a:latin typeface="+mn-lt"/>
+                <a:cs typeface="Segoe UI" panose="020B0502040204020203" pitchFamily="34" charset="0"/>
               </a:rPr>
-              <a:t>Will Azure give us control to schedule jobs when we want?</a:t>
-            </a:r>
-          </a:p>
-          <a:p>
-            <a:pPr>
-              <a:spcAft>
-                <a:spcPts val="882"/>
-              </a:spcAft>
+              <a:t>Yes</a:t>
+            </a:r>
+          </a:p>
+          <a:p>
+            <a:pPr marL="342900" indent="-342900" defTabSz="914411">
+              <a:buFont typeface="Arial" panose="020B0604020202020204" pitchFamily="34" charset="0"/>
+              <a:buChar char="•"/>
             </a:pPr>
             <a:r>
-              <a:rPr lang="en-US" sz="2000" dirty="0">
+              <a:rPr lang="en-GB" sz="2400" dirty="0">
                 <a:solidFill>
-                  <a:schemeClr val="tx1"/>
+                  <a:prstClr val="white"/>
                 </a:solidFill>
-                <a:latin typeface="+mn-lt"/>
+                <a:cs typeface="Segoe UI" panose="020B0502040204020203" pitchFamily="34" charset="0"/>
               </a:rPr>
-              <a:t>Yes. With Azure Batch, jobs can be queued as normal, or sent to a queue and completed at desired times of day. </a:t>
-            </a:r>
-          </a:p>
-          <a:p>
-            <a:pPr marL="0" indent="0">
-              <a:spcAft>
-                <a:spcPts val="882"/>
-              </a:spcAft>
-              <a:buNone/>
+              <a:t>Options include application-level connections (assuming a network connection such as VPN is already in place) </a:t>
+            </a:r>
+          </a:p>
+          <a:p>
+            <a:pPr marL="342900" indent="-342900" defTabSz="914411">
+              <a:buFont typeface="Arial" panose="020B0604020202020204" pitchFamily="34" charset="0"/>
+              <a:buChar char="•"/>
             </a:pPr>
             <a:r>
-              <a:rPr lang="en-US" sz="2800" i="1" dirty="0">
+              <a:rPr lang="en-GB" sz="2400" dirty="0">
                 <a:solidFill>
-                  <a:schemeClr val="tx1"/>
+                  <a:prstClr val="white"/>
                 </a:solidFill>
-                <a:latin typeface="+mn-lt"/>
+                <a:cs typeface="Segoe UI" panose="020B0502040204020203" pitchFamily="34" charset="0"/>
               </a:rPr>
-              <a:t>Will the capacity be available on Azure when we want it?</a:t>
-            </a:r>
-          </a:p>
-          <a:p>
-            <a:pPr>
-              <a:spcAft>
-                <a:spcPts val="882"/>
-              </a:spcAft>
+              <a:t>Check what type of HPC compute cluster that ThoughtRender uses on- premises, and check the scheduling and batch software they use on those systems </a:t>
+            </a:r>
+          </a:p>
+          <a:p>
+            <a:pPr marL="342900" indent="-342900" defTabSz="914411">
+              <a:buFont typeface="Arial" panose="020B0604020202020204" pitchFamily="34" charset="0"/>
+              <a:buChar char="•"/>
             </a:pPr>
             <a:r>
-              <a:rPr lang="en-US" sz="2000" dirty="0">
+              <a:rPr lang="en-GB" sz="2400" dirty="0">
                 <a:solidFill>
-                  <a:schemeClr val="tx1"/>
+                  <a:prstClr val="white"/>
                 </a:solidFill>
-                <a:latin typeface="+mn-lt"/>
+                <a:cs typeface="Segoe UI" panose="020B0502040204020203" pitchFamily="34" charset="0"/>
               </a:rPr>
-              <a:t>Typically, yes </a:t>
-            </a:r>
-          </a:p>
-          <a:p>
-            <a:pPr>
-              <a:spcAft>
-                <a:spcPts val="882"/>
-              </a:spcAft>
-            </a:pPr>
-            <a:r>
-              <a:rPr lang="en-US" sz="2000" dirty="0">
+              <a:t>Some of this software (e.g., HPC Pack, IBM LSF, Slurm, Univa GridEngine) have integrations possible with Azure to allow “bursting” (i.e., keeping head node control on-premises, and sending compute jobs to compute nodes running on Azure – basically extending the on-premises HPC cluster into the cloud)</a:t>
+            </a:r>
+          </a:p>
+          <a:p>
+            <a:pPr defTabSz="914411"/>
+            <a:r>
+              <a:rPr lang="en-GB" sz="2000" dirty="0">
                 <a:solidFill>
-                  <a:schemeClr val="tx1"/>
+                  <a:prstClr val="white"/>
                 </a:solidFill>
-                <a:latin typeface="+mn-lt"/>
+                <a:latin typeface="Segoe UI" panose="020B0502040204020203" pitchFamily="34" charset="0"/>
+                <a:cs typeface="Segoe UI" panose="020B0502040204020203" pitchFamily="34" charset="0"/>
               </a:rPr>
-              <a:t>This is the benefit of using a large public cloud provider with resources at scale</a:t>
-            </a:r>
-          </a:p>
-          <a:p>
-            <a:pPr>
-              <a:spcAft>
-                <a:spcPts val="882"/>
-              </a:spcAft>
-            </a:pPr>
-            <a:r>
-              <a:rPr lang="en-US" sz="2000" dirty="0">
-                <a:solidFill>
-                  <a:schemeClr val="tx1"/>
-                </a:solidFill>
-                <a:latin typeface="+mn-lt"/>
-              </a:rPr>
-              <a:t>Need to consider default limits for specific resources in an Azure subscription and regional availability of specialized compute instances</a:t>
-            </a:r>
-            <a:endParaRPr lang="en-US" sz="1800" dirty="0">
+              <a:t> </a:t>
+            </a:r>
+          </a:p>
+          <a:p>
+            <a:pPr defTabSz="914411"/>
+            <a:endParaRPr lang="en-GB" sz="2000" dirty="0">
               <a:solidFill>
-                <a:schemeClr val="tx1"/>
+                <a:prstClr val="white"/>
               </a:solidFill>
-              <a:latin typeface="+mn-lt"/>
-            </a:endParaRPr>
-          </a:p>
-          <a:p>
-            <a:pPr marL="0" indent="0">
-              <a:spcAft>
-                <a:spcPts val="882"/>
-              </a:spcAft>
-              <a:buNone/>
-            </a:pPr>
-            <a:r>
-              <a:rPr lang="en-US" sz="2800" i="1" dirty="0">
-                <a:solidFill>
-                  <a:schemeClr val="tx1"/>
-                </a:solidFill>
-                <a:latin typeface="+mn-lt"/>
-              </a:rPr>
-              <a:t>We heard Microsoft does Linux now. But how true is this? Will it work with our chosen Linux version? </a:t>
-            </a:r>
-          </a:p>
-          <a:p>
-            <a:pPr>
-              <a:spcAft>
-                <a:spcPts val="882"/>
-              </a:spcAft>
-            </a:pPr>
-            <a:r>
-              <a:rPr lang="en-US" sz="2000" dirty="0">
-                <a:solidFill>
-                  <a:schemeClr val="tx1"/>
-                </a:solidFill>
-                <a:latin typeface="+mn-lt"/>
-              </a:rPr>
-              <a:t>Yes, Microsoft loves Linux! Microsoft is committed to make Linux (and wider Open Source technologies) “a first class citizen” on Azure. </a:t>
-            </a:r>
-          </a:p>
-          <a:p>
-            <a:pPr>
-              <a:spcAft>
-                <a:spcPts val="882"/>
-              </a:spcAft>
-            </a:pPr>
-            <a:r>
-              <a:rPr lang="en-US" sz="2000" dirty="0">
-                <a:solidFill>
-                  <a:schemeClr val="tx1"/>
-                </a:solidFill>
-                <a:latin typeface="+mn-lt"/>
-              </a:rPr>
-              <a:t>You can choose to run Azure Marketplace images of various Linux distributions/versions, and you can also BYOL (Bring Your Own License) for Enterprise Linux versions you own</a:t>
-            </a:r>
-          </a:p>
-          <a:p>
-            <a:pPr marL="0" indent="0">
-              <a:spcAft>
-                <a:spcPts val="882"/>
-              </a:spcAft>
-              <a:buNone/>
-            </a:pPr>
-            <a:endParaRPr lang="en-US" sz="1800" dirty="0">
-              <a:solidFill>
-                <a:schemeClr val="tx1"/>
-              </a:solidFill>
-            </a:endParaRPr>
-          </a:p>
-          <a:p>
-            <a:pPr marL="0" indent="0">
-              <a:spcAft>
-                <a:spcPts val="882"/>
-              </a:spcAft>
-              <a:buNone/>
-            </a:pPr>
-            <a:endParaRPr lang="en-US" sz="2400" dirty="0">
-              <a:solidFill>
-                <a:schemeClr val="tx1"/>
-              </a:solidFill>
+              <a:latin typeface="Segoe UI" panose="020B0502040204020203" pitchFamily="34" charset="0"/>
+              <a:cs typeface="Segoe UI" panose="020B0502040204020203" pitchFamily="34" charset="0"/>
             </a:endParaRPr>
           </a:p>
         </p:txBody>
@@ -19280,7 +19479,7 @@
     </p:spTree>
     <p:extLst>
       <p:ext uri="{BB962C8B-B14F-4D97-AF65-F5344CB8AC3E}">
-        <p14:creationId xmlns:p14="http://schemas.microsoft.com/office/powerpoint/2010/main" val="2371438961"/>
+        <p14:creationId xmlns:p14="http://schemas.microsoft.com/office/powerpoint/2010/main" val="1276096322"/>
       </p:ext>
     </p:extLst>
   </p:cSld>
@@ -19339,7 +19538,7 @@
                 </a:solidFill>
                 <a:cs typeface="Segoe UI" panose="020B0502040204020203" pitchFamily="34" charset="0"/>
               </a:rPr>
-              <a:t>Preferred objections handling</a:t>
+              <a:t>Preferred solution</a:t>
             </a:r>
             <a:br>
               <a:rPr lang="en-US" dirty="0">
@@ -19360,105 +19559,153 @@
       </p:sp>
       <p:sp>
         <p:nvSpPr>
-          <p:cNvPr id="3" name="Content Placeholder 2"/>
-          <p:cNvSpPr>
-            <a:spLocks noGrp="1"/>
-          </p:cNvSpPr>
-          <p:nvPr>
-            <p:ph type="body" sz="quarter" idx="10"/>
-          </p:nvPr>
+          <p:cNvPr id="7" name="TextBox 6">
+            <a:extLst>
+              <a:ext uri="{FF2B5EF4-FFF2-40B4-BE49-F238E27FC236}">
+                <a16:creationId xmlns:a16="http://schemas.microsoft.com/office/drawing/2014/main" id="{5A4E2701-6F6A-4DEC-987F-47B34CB8AF43}"/>
+              </a:ext>
+            </a:extLst>
+          </p:cNvPr>
+          <p:cNvSpPr txBox="1"/>
+          <p:nvPr/>
         </p:nvSpPr>
         <p:spPr>
           <a:xfrm>
-            <a:off x="269239" y="1189176"/>
-            <a:ext cx="11653523" cy="5179873"/>
+            <a:off x="343120" y="1048500"/>
+            <a:ext cx="7874905" cy="4156793"/>
           </a:xfrm>
+          <a:prstGeom prst="rect">
+            <a:avLst/>
+          </a:prstGeom>
+          <a:noFill/>
         </p:spPr>
         <p:txBody>
-          <a:bodyPr>
-            <a:noAutofit/>
+          <a:bodyPr wrap="square" lIns="134469" tIns="107576" rIns="134469" bIns="107576" rtlCol="0">
+            <a:spAutoFit/>
           </a:bodyPr>
           <a:lstStyle/>
           <a:p>
-            <a:pPr marL="0" indent="0">
-              <a:spcAft>
-                <a:spcPts val="882"/>
-              </a:spcAft>
-              <a:buNone/>
+            <a:pPr defTabSz="914411"/>
+            <a:r>
+              <a:rPr lang="en-US" sz="3600" b="1" dirty="0">
+                <a:solidFill>
+                  <a:prstClr val="white"/>
+                </a:solidFill>
+                <a:latin typeface="+mj-lt"/>
+                <a:cs typeface="Segoe UI" panose="020B0502040204020203" pitchFamily="34" charset="0"/>
+              </a:rPr>
+              <a:t>Operationalizing and Integrating</a:t>
+            </a:r>
+          </a:p>
+          <a:p>
+            <a:pPr defTabSz="914411"/>
+            <a:r>
+              <a:rPr lang="en-GB" sz="2800" i="1" dirty="0">
+                <a:solidFill>
+                  <a:prstClr val="white"/>
+                </a:solidFill>
+                <a:cs typeface="Segoe UI" panose="020B0502040204020203" pitchFamily="34" charset="0"/>
+              </a:rPr>
+              <a:t>Is it possible for ThoughtRender to keep their Azure infrastructure separate from their on-premises HPC clusters? </a:t>
+            </a:r>
+          </a:p>
+          <a:p>
+            <a:pPr marL="342900" indent="-342900" defTabSz="914411">
+              <a:buFont typeface="Arial" panose="020B0604020202020204" pitchFamily="34" charset="0"/>
+              <a:buChar char="•"/>
             </a:pPr>
             <a:r>
-              <a:rPr lang="en-US" sz="3600" i="1" dirty="0">
+              <a:rPr lang="en-GB" sz="2400" dirty="0">
                 <a:solidFill>
-                  <a:schemeClr val="tx1"/>
+                  <a:prstClr val="white"/>
                 </a:solidFill>
+                <a:cs typeface="Segoe UI" panose="020B0502040204020203" pitchFamily="34" charset="0"/>
               </a:rPr>
-              <a:t>We have petabytes of data on-premises. It would cost us a fortune and take ages to move this to the cloud!</a:t>
-            </a:r>
-          </a:p>
-          <a:p>
-            <a:pPr>
-              <a:spcAft>
-                <a:spcPts val="882"/>
-              </a:spcAft>
+              <a:t>Yes</a:t>
+            </a:r>
+          </a:p>
+          <a:p>
+            <a:pPr marL="342900" indent="-342900" defTabSz="914411">
+              <a:buFont typeface="Arial" panose="020B0604020202020204" pitchFamily="34" charset="0"/>
+              <a:buChar char="•"/>
             </a:pPr>
             <a:r>
-              <a:rPr lang="en-US" sz="2800" dirty="0">
+              <a:rPr lang="en-GB" sz="2400" dirty="0">
                 <a:solidFill>
-                  <a:schemeClr val="tx1"/>
+                  <a:prstClr val="white"/>
                 </a:solidFill>
+                <a:cs typeface="Segoe UI" panose="020B0502040204020203" pitchFamily="34" charset="0"/>
               </a:rPr>
-              <a:t>This can be a challenge</a:t>
-            </a:r>
-          </a:p>
-          <a:p>
-            <a:pPr>
-              <a:spcAft>
-                <a:spcPts val="882"/>
-              </a:spcAft>
+              <a:t>Separate clusters can be created in Azure, and configuration easily repeated or applied using Azure ARM templates, or using CycleCloud software</a:t>
+            </a:r>
+          </a:p>
+          <a:p>
+            <a:pPr marL="342900" indent="-342900" defTabSz="914411">
+              <a:buFont typeface="Arial" panose="020B0604020202020204" pitchFamily="34" charset="0"/>
+              <a:buChar char="•"/>
             </a:pPr>
-            <a:r>
-              <a:rPr lang="en-US" sz="2800" dirty="0">
-                <a:solidFill>
-                  <a:schemeClr val="tx1"/>
-                </a:solidFill>
-              </a:rPr>
-              <a:t>A dedicated connection to Azure via ExpressRoute may help</a:t>
-            </a:r>
-          </a:p>
-          <a:p>
-            <a:pPr>
-              <a:spcAft>
-                <a:spcPts val="882"/>
-              </a:spcAft>
-            </a:pPr>
-            <a:r>
-              <a:rPr lang="en-US" sz="2800" dirty="0">
-                <a:solidFill>
-                  <a:schemeClr val="tx1"/>
-                </a:solidFill>
-              </a:rPr>
-              <a:t>Alternately, consider optimized tools for transferring data. This includes Azcopy (an open source tool from Microsoft), or commercial tools such as Signiant, Aspera, or FileCatalyst With Azure Batch; jobs can be queued as normal, or sent to a queue and completed at desired times of the day. </a:t>
-            </a:r>
-          </a:p>
-          <a:p>
-            <a:pPr marL="0" indent="0">
-              <a:spcAft>
-                <a:spcPts val="882"/>
-              </a:spcAft>
-              <a:buNone/>
-            </a:pPr>
-            <a:endParaRPr lang="en-US" sz="2400" dirty="0">
+            <a:endParaRPr lang="en-GB" sz="2000" dirty="0">
               <a:solidFill>
-                <a:schemeClr val="tx1"/>
+                <a:prstClr val="white"/>
               </a:solidFill>
+              <a:cs typeface="Segoe UI" panose="020B0502040204020203" pitchFamily="34" charset="0"/>
+            </a:endParaRPr>
+          </a:p>
+          <a:p>
+            <a:pPr defTabSz="914411"/>
+            <a:endParaRPr lang="en-GB" sz="2000" dirty="0">
+              <a:solidFill>
+                <a:prstClr val="white"/>
+              </a:solidFill>
+              <a:latin typeface="Segoe UI" panose="020B0502040204020203" pitchFamily="34" charset="0"/>
+              <a:cs typeface="Segoe UI" panose="020B0502040204020203" pitchFamily="34" charset="0"/>
             </a:endParaRPr>
           </a:p>
         </p:txBody>
       </p:sp>
+      <p:pic>
+        <p:nvPicPr>
+          <p:cNvPr id="4" name="Graphic 3" descr="Desktop computer and server icons" title="Desktop computer and server icons">
+            <a:extLst>
+              <a:ext uri="{FF2B5EF4-FFF2-40B4-BE49-F238E27FC236}">
+                <a16:creationId xmlns:a16="http://schemas.microsoft.com/office/drawing/2014/main" id="{162464A4-5188-46CB-82A3-5BE4DC618F13}"/>
+              </a:ext>
+            </a:extLst>
+          </p:cNvPr>
+          <p:cNvPicPr>
+            <a:picLocks noChangeAspect="1"/>
+          </p:cNvPicPr>
+          <p:nvPr/>
+        </p:nvPicPr>
+        <p:blipFill>
+          <a:blip r:embed="rId3">
+            <a:extLst>
+              <a:ext uri="{28A0092B-C50C-407E-A947-70E740481C1C}">
+                <a14:useLocalDpi xmlns:a14="http://schemas.microsoft.com/office/drawing/2010/main" val="0"/>
+              </a:ext>
+              <a:ext uri="{96DAC541-7B7A-43D3-8B79-37D633B846F1}">
+                <asvg:svgBlip xmlns:asvg="http://schemas.microsoft.com/office/drawing/2016/SVG/main" r:embed="rId4"/>
+              </a:ext>
+            </a:extLst>
+          </a:blip>
+          <a:stretch>
+            <a:fillRect/>
+          </a:stretch>
+        </p:blipFill>
+        <p:spPr>
+          <a:xfrm>
+            <a:off x="8395986" y="1462934"/>
+            <a:ext cx="2794000" cy="2794000"/>
+          </a:xfrm>
+          <a:prstGeom prst="rect">
+            <a:avLst/>
+          </a:prstGeom>
+        </p:spPr>
+      </p:pic>
     </p:spTree>
     <p:extLst>
       <p:ext uri="{BB962C8B-B14F-4D97-AF65-F5344CB8AC3E}">
-        <p14:creationId xmlns:p14="http://schemas.microsoft.com/office/powerpoint/2010/main" val="1680624684"/>
+        <p14:creationId xmlns:p14="http://schemas.microsoft.com/office/powerpoint/2010/main" val="2670072316"/>
       </p:ext>
     </p:extLst>
   </p:cSld>
@@ -19517,7 +19764,7 @@
                 </a:solidFill>
                 <a:cs typeface="Segoe UI" panose="020B0502040204020203" pitchFamily="34" charset="0"/>
               </a:rPr>
-              <a:t>Preferred objections handling</a:t>
+              <a:t>Preferred solution</a:t>
             </a:r>
             <a:br>
               <a:rPr lang="en-US" dirty="0">
@@ -19538,75 +19785,118 @@
       </p:sp>
       <p:sp>
         <p:nvSpPr>
-          <p:cNvPr id="3" name="Content Placeholder 2"/>
-          <p:cNvSpPr>
-            <a:spLocks noGrp="1"/>
-          </p:cNvSpPr>
-          <p:nvPr>
-            <p:ph type="body" sz="quarter" idx="10"/>
-          </p:nvPr>
+          <p:cNvPr id="5" name="TextBox 4">
+            <a:extLst>
+              <a:ext uri="{FF2B5EF4-FFF2-40B4-BE49-F238E27FC236}">
+                <a16:creationId xmlns:a16="http://schemas.microsoft.com/office/drawing/2014/main" id="{34859858-8C34-445E-ACDB-A22BBAFD6D08}"/>
+              </a:ext>
+            </a:extLst>
+          </p:cNvPr>
+          <p:cNvSpPr txBox="1"/>
+          <p:nvPr/>
         </p:nvSpPr>
         <p:spPr>
           <a:xfrm>
-            <a:off x="269239" y="1189176"/>
-            <a:ext cx="11653523" cy="5179873"/>
+            <a:off x="343120" y="1048500"/>
+            <a:ext cx="11428333" cy="3356574"/>
           </a:xfrm>
+          <a:prstGeom prst="rect">
+            <a:avLst/>
+          </a:prstGeom>
+          <a:noFill/>
         </p:spPr>
         <p:txBody>
-          <a:bodyPr>
-            <a:noAutofit/>
+          <a:bodyPr wrap="square" lIns="134469" tIns="107576" rIns="134469" bIns="107576" rtlCol="0">
+            <a:spAutoFit/>
           </a:bodyPr>
           <a:lstStyle/>
           <a:p>
-            <a:pPr marL="0" indent="0">
-              <a:spcAft>
-                <a:spcPts val="882"/>
-              </a:spcAft>
-              <a:buNone/>
+            <a:pPr defTabSz="914411"/>
+            <a:r>
+              <a:rPr lang="en-US" sz="3600" b="1" dirty="0">
+                <a:solidFill>
+                  <a:prstClr val="white"/>
+                </a:solidFill>
+                <a:latin typeface="+mj-lt"/>
+                <a:cs typeface="Segoe UI" panose="020B0502040204020203" pitchFamily="34" charset="0"/>
+              </a:rPr>
+              <a:t>Visualization and Remote Workstations</a:t>
+            </a:r>
+            <a:endParaRPr lang="en-GB" sz="2000" dirty="0">
+              <a:solidFill>
+                <a:prstClr val="white"/>
+              </a:solidFill>
+              <a:cs typeface="Segoe UI" panose="020B0502040204020203" pitchFamily="34" charset="0"/>
+            </a:endParaRPr>
+          </a:p>
+          <a:p>
+            <a:pPr defTabSz="914411"/>
+            <a:r>
+              <a:rPr lang="en-GB" sz="2800" i="1" dirty="0">
+                <a:solidFill>
+                  <a:prstClr val="white"/>
+                </a:solidFill>
+                <a:cs typeface="Segoe UI" panose="020B0502040204020203" pitchFamily="34" charset="0"/>
+              </a:rPr>
+              <a:t>Are special types of compute instances needed for remote workstations in Azure?</a:t>
+            </a:r>
+          </a:p>
+          <a:p>
+            <a:pPr marL="342900" indent="-342900" defTabSz="914411">
+              <a:buFont typeface="Arial" panose="020B0604020202020204" pitchFamily="34" charset="0"/>
+              <a:buChar char="•"/>
             </a:pPr>
             <a:r>
-              <a:rPr lang="en-US" sz="3600" i="1" dirty="0">
+              <a:rPr lang="en-GB" sz="2400" dirty="0">
                 <a:solidFill>
-                  <a:schemeClr val="tx1"/>
+                  <a:prstClr val="white"/>
                 </a:solidFill>
+                <a:cs typeface="Segoe UI" panose="020B0502040204020203" pitchFamily="34" charset="0"/>
               </a:rPr>
-              <a:t>We heard collaboration is possible for 3D imaging workstations. But we have very specific color requirements and buy top-end workstation equipment for our users. Our users just wouldn't get the interaction performance they require with something "remote" in the cloud. </a:t>
-            </a:r>
-          </a:p>
-          <a:p>
-            <a:pPr marL="0" indent="0">
-              <a:spcAft>
-                <a:spcPts val="882"/>
-              </a:spcAft>
-              <a:buNone/>
+              <a:t>Yes, the “NV” (NVIDIA Visualization) compute instances should be used </a:t>
+            </a:r>
+          </a:p>
+          <a:p>
+            <a:pPr marL="342900" indent="-342900" defTabSz="914411">
+              <a:buFont typeface="Arial" panose="020B0604020202020204" pitchFamily="34" charset="0"/>
+              <a:buChar char="•"/>
             </a:pPr>
-            <a:endParaRPr lang="en-US" sz="1400" i="1" dirty="0">
+            <a:r>
+              <a:rPr lang="en-GB" sz="2400" dirty="0">
+                <a:solidFill>
+                  <a:prstClr val="white"/>
+                </a:solidFill>
+                <a:cs typeface="Segoe UI" panose="020B0502040204020203" pitchFamily="34" charset="0"/>
+              </a:rPr>
+              <a:t>These contain special NVIDIA GRID technology graphics cards (e.g., NVIDIA M60), specialized for visualizations and remote workstation use</a:t>
+            </a:r>
+          </a:p>
+          <a:p>
+            <a:pPr defTabSz="914411"/>
+            <a:endParaRPr lang="en-GB" sz="2000" dirty="0">
               <a:solidFill>
-                <a:schemeClr val="tx1"/>
+                <a:prstClr val="white"/>
               </a:solidFill>
+              <a:latin typeface="Segoe UI" panose="020B0502040204020203" pitchFamily="34" charset="0"/>
+              <a:cs typeface="Segoe UI" panose="020B0502040204020203" pitchFamily="34" charset="0"/>
             </a:endParaRPr>
           </a:p>
           <a:p>
-            <a:pPr>
-              <a:spcAft>
-                <a:spcPts val="882"/>
-              </a:spcAft>
-            </a:pPr>
-            <a:r>
-              <a:rPr lang="en-US" sz="2800" dirty="0">
-                <a:solidFill>
-                  <a:schemeClr val="tx1"/>
-                </a:solidFill>
-              </a:rPr>
-              <a:t>With specific software tools from our partners such as Teradici, specialized solutions exist for exactly this requirement. </a:t>
-            </a:r>
+            <a:pPr defTabSz="914411"/>
+            <a:endParaRPr lang="en-GB" sz="2000" dirty="0">
+              <a:solidFill>
+                <a:prstClr val="white"/>
+              </a:solidFill>
+              <a:latin typeface="Segoe UI" panose="020B0502040204020203" pitchFamily="34" charset="0"/>
+              <a:cs typeface="Segoe UI" panose="020B0502040204020203" pitchFamily="34" charset="0"/>
+            </a:endParaRPr>
           </a:p>
         </p:txBody>
       </p:sp>
     </p:spTree>
     <p:extLst>
       <p:ext uri="{BB962C8B-B14F-4D97-AF65-F5344CB8AC3E}">
-        <p14:creationId xmlns:p14="http://schemas.microsoft.com/office/powerpoint/2010/main" val="335404258"/>
+        <p14:creationId xmlns:p14="http://schemas.microsoft.com/office/powerpoint/2010/main" val="1587060111"/>
       </p:ext>
     </p:extLst>
   </p:cSld>
@@ -19665,7 +19955,7 @@
                 </a:solidFill>
                 <a:cs typeface="Segoe UI" panose="020B0502040204020203" pitchFamily="34" charset="0"/>
               </a:rPr>
-              <a:t>Preferred objections handling</a:t>
+              <a:t>Preferred solution</a:t>
             </a:r>
             <a:br>
               <a:rPr lang="en-US" dirty="0">
@@ -19686,73 +19976,216 @@
       </p:sp>
       <p:sp>
         <p:nvSpPr>
-          <p:cNvPr id="3" name="Content Placeholder 2"/>
-          <p:cNvSpPr>
-            <a:spLocks noGrp="1"/>
-          </p:cNvSpPr>
-          <p:nvPr>
-            <p:ph type="body" sz="quarter" idx="10"/>
-          </p:nvPr>
+          <p:cNvPr id="7" name="TextBox 6">
+            <a:extLst>
+              <a:ext uri="{FF2B5EF4-FFF2-40B4-BE49-F238E27FC236}">
+                <a16:creationId xmlns:a16="http://schemas.microsoft.com/office/drawing/2014/main" id="{5A4E2701-6F6A-4DEC-987F-47B34CB8AF43}"/>
+              </a:ext>
+            </a:extLst>
+          </p:cNvPr>
+          <p:cNvSpPr txBox="1"/>
+          <p:nvPr/>
         </p:nvSpPr>
         <p:spPr>
           <a:xfrm>
-            <a:off x="269239" y="1189176"/>
-            <a:ext cx="11653523" cy="5179873"/>
+            <a:off x="416689" y="925670"/>
+            <a:ext cx="11423619" cy="5449455"/>
           </a:xfrm>
+          <a:prstGeom prst="rect">
+            <a:avLst/>
+          </a:prstGeom>
+          <a:noFill/>
         </p:spPr>
         <p:txBody>
-          <a:bodyPr>
-            <a:noAutofit/>
+          <a:bodyPr wrap="square" lIns="134469" tIns="107576" rIns="134469" bIns="107576" rtlCol="0">
+            <a:spAutoFit/>
           </a:bodyPr>
           <a:lstStyle/>
           <a:p>
-            <a:pPr marL="0" indent="0">
-              <a:spcAft>
-                <a:spcPts val="882"/>
-              </a:spcAft>
-              <a:buNone/>
+            <a:pPr defTabSz="914411"/>
+            <a:r>
+              <a:rPr lang="en-US" sz="3600" b="1" dirty="0">
+                <a:solidFill>
+                  <a:prstClr val="white"/>
+                </a:solidFill>
+                <a:latin typeface="+mj-lt"/>
+                <a:cs typeface="Segoe UI" panose="020B0502040204020203" pitchFamily="34" charset="0"/>
+              </a:rPr>
+              <a:t>Visualization and Remote Workstations</a:t>
+            </a:r>
+          </a:p>
+          <a:p>
+            <a:pPr defTabSz="914411"/>
+            <a:r>
+              <a:rPr lang="en-GB" sz="2800" i="1" dirty="0">
+                <a:solidFill>
+                  <a:prstClr val="white"/>
+                </a:solidFill>
+                <a:latin typeface="+mj-lt"/>
+                <a:cs typeface="Segoe UI" panose="020B0502040204020203" pitchFamily="34" charset="0"/>
+              </a:rPr>
+              <a:t>Is a special type of software required for client access? Could users simply use remote desktop? Would this perform the way ThoughtRender (or their customers) would like it to?</a:t>
+            </a:r>
+          </a:p>
+          <a:p>
+            <a:pPr marL="342900" indent="-342900" defTabSz="914411">
+              <a:buFont typeface="Arial" panose="020B0604020202020204" pitchFamily="34" charset="0"/>
+              <a:buChar char="•"/>
             </a:pPr>
             <a:r>
-              <a:rPr lang="en-US" i="1" dirty="0"/>
-              <a:t>Will this take jobs away from our IT system administrators and HPC engineers?</a:t>
-            </a:r>
-          </a:p>
-          <a:p>
-            <a:pPr>
-              <a:spcAft>
-                <a:spcPts val="882"/>
-              </a:spcAft>
+              <a:rPr lang="en-GB" sz="2000" dirty="0">
+                <a:solidFill>
+                  <a:prstClr val="white"/>
+                </a:solidFill>
+                <a:latin typeface="+mj-lt"/>
+                <a:cs typeface="Segoe UI" panose="020B0502040204020203" pitchFamily="34" charset="0"/>
+              </a:rPr>
+              <a:t>Typically, for “high end” workstation users, specialized software is needed for the best performing remote desktop technology</a:t>
+            </a:r>
+          </a:p>
+          <a:p>
+            <a:pPr marL="342900" indent="-342900" defTabSz="914411">
+              <a:buFont typeface="Arial" panose="020B0604020202020204" pitchFamily="34" charset="0"/>
+              <a:buChar char="•"/>
             </a:pPr>
             <a:r>
-              <a:rPr lang="en-US" sz="2800" dirty="0">
+              <a:rPr lang="en-GB" sz="2000" dirty="0">
                 <a:solidFill>
-                  <a:schemeClr val="tx1"/>
+                  <a:prstClr val="white"/>
                 </a:solidFill>
+                <a:latin typeface="+mj-lt"/>
+                <a:cs typeface="Segoe UI" panose="020B0502040204020203" pitchFamily="34" charset="0"/>
               </a:rPr>
-              <a:t>No, IT system administrators can still maintain the systems in Azure, giving the users and the business insight via monitoring, logs, and can more easily respond to requests for new systems</a:t>
-            </a:r>
-          </a:p>
-          <a:p>
-            <a:pPr>
-              <a:spcAft>
-                <a:spcPts val="882"/>
-              </a:spcAft>
+              <a:t>For example, “low latency” is must when interacting with 3D models in real-time </a:t>
+            </a:r>
+          </a:p>
+          <a:p>
+            <a:pPr marL="342900" indent="-342900" defTabSz="914411">
+              <a:buFont typeface="Arial" panose="020B0604020202020204" pitchFamily="34" charset="0"/>
+              <a:buChar char="•"/>
             </a:pPr>
             <a:r>
-              <a:rPr lang="en-US" sz="2800" dirty="0">
+              <a:rPr lang="en-GB" sz="2000" dirty="0">
                 <a:solidFill>
-                  <a:schemeClr val="tx1"/>
+                  <a:prstClr val="white"/>
                 </a:solidFill>
+                <a:latin typeface="+mj-lt"/>
+                <a:cs typeface="Segoe UI" panose="020B0502040204020203" pitchFamily="34" charset="0"/>
               </a:rPr>
-              <a:t>HPC engineers can focus on taking advantage of the latest technologies in Azure to improve performance</a:t>
-            </a:r>
+              <a:t>Partner solution software and technology in this space includes Teradici and Citrix HDX</a:t>
+            </a:r>
+          </a:p>
+          <a:p>
+            <a:pPr marL="342900" indent="-342900" defTabSz="914411">
+              <a:buFont typeface="Arial" panose="020B0604020202020204" pitchFamily="34" charset="0"/>
+              <a:buChar char="•"/>
+            </a:pPr>
+            <a:r>
+              <a:rPr lang="en-GB" sz="2000" dirty="0">
+                <a:solidFill>
+                  <a:prstClr val="white"/>
+                </a:solidFill>
+                <a:latin typeface="+mj-lt"/>
+                <a:cs typeface="Segoe UI" panose="020B0502040204020203" pitchFamily="34" charset="0"/>
+              </a:rPr>
+              <a:t>These solutions are secure and can ensure </a:t>
+            </a:r>
+            <a:r>
+              <a:rPr lang="en-GB" sz="2000" dirty="0" err="1">
+                <a:solidFill>
+                  <a:prstClr val="white"/>
+                </a:solidFill>
+                <a:latin typeface="+mj-lt"/>
+                <a:cs typeface="Segoe UI" panose="020B0502040204020203" pitchFamily="34" charset="0"/>
+              </a:rPr>
+              <a:t>color</a:t>
+            </a:r>
+            <a:r>
+              <a:rPr lang="en-GB" sz="2000" dirty="0">
+                <a:solidFill>
+                  <a:prstClr val="white"/>
+                </a:solidFill>
+                <a:latin typeface="+mj-lt"/>
+                <a:cs typeface="Segoe UI" panose="020B0502040204020203" pitchFamily="34" charset="0"/>
+              </a:rPr>
+              <a:t> correctness</a:t>
+            </a:r>
+          </a:p>
+          <a:p>
+            <a:pPr marL="342900" indent="-342900" defTabSz="914411">
+              <a:buFont typeface="Arial" panose="020B0604020202020204" pitchFamily="34" charset="0"/>
+              <a:buChar char="•"/>
+            </a:pPr>
+            <a:r>
+              <a:rPr lang="en-US" sz="2000" dirty="0">
+                <a:solidFill>
+                  <a:prstClr val="white"/>
+                </a:solidFill>
+                <a:latin typeface="+mj-lt"/>
+                <a:cs typeface="Segoe UI" panose="020B0502040204020203" pitchFamily="34" charset="0"/>
+              </a:rPr>
+              <a:t>The idea to use specialized software (e.g., like </a:t>
+            </a:r>
+            <a:r>
+              <a:rPr lang="en-US" sz="2000" dirty="0" err="1">
+                <a:solidFill>
+                  <a:prstClr val="white"/>
+                </a:solidFill>
+                <a:latin typeface="+mj-lt"/>
+                <a:cs typeface="Segoe UI" panose="020B0502040204020203" pitchFamily="34" charset="0"/>
+              </a:rPr>
+              <a:t>Teradici</a:t>
+            </a:r>
+            <a:r>
+              <a:rPr lang="en-US" sz="2000" dirty="0">
+                <a:solidFill>
+                  <a:prstClr val="white"/>
+                </a:solidFill>
+                <a:latin typeface="+mj-lt"/>
+                <a:cs typeface="Segoe UI" panose="020B0502040204020203" pitchFamily="34" charset="0"/>
+              </a:rPr>
+              <a:t> or Citrix HDX) is typically driven by the need to perform and perform better than typical remote desktop</a:t>
+            </a:r>
+          </a:p>
+          <a:p>
+            <a:pPr marL="342900" indent="-342900" defTabSz="914411">
+              <a:buFont typeface="Arial" panose="020B0604020202020204" pitchFamily="34" charset="0"/>
+              <a:buChar char="•"/>
+            </a:pPr>
+            <a:r>
+              <a:rPr lang="en-US" sz="2000" dirty="0">
+                <a:solidFill>
+                  <a:prstClr val="white"/>
+                </a:solidFill>
+                <a:latin typeface="+mj-lt"/>
+                <a:cs typeface="Segoe UI" panose="020B0502040204020203" pitchFamily="34" charset="0"/>
+              </a:rPr>
+              <a:t>Not all specialized software may facilitate collaboration (i.e., multiple users sharing a screen), and not all software will provide the "low latency" needed to interact with the software in a performant way for the users involved</a:t>
+            </a:r>
+            <a:endParaRPr lang="en-GB" sz="2000" dirty="0">
+              <a:solidFill>
+                <a:prstClr val="white"/>
+              </a:solidFill>
+              <a:latin typeface="Segoe UI" panose="020B0502040204020203" pitchFamily="34" charset="0"/>
+              <a:cs typeface="Segoe UI" panose="020B0502040204020203" pitchFamily="34" charset="0"/>
+            </a:endParaRPr>
+          </a:p>
+          <a:p>
+            <a:pPr defTabSz="914411"/>
+            <a:endParaRPr lang="en-GB" sz="2000" dirty="0">
+              <a:solidFill>
+                <a:prstClr val="white"/>
+              </a:solidFill>
+              <a:latin typeface="Segoe UI" panose="020B0502040204020203" pitchFamily="34" charset="0"/>
+              <a:cs typeface="Segoe UI" panose="020B0502040204020203" pitchFamily="34" charset="0"/>
+            </a:endParaRPr>
           </a:p>
         </p:txBody>
       </p:sp>
     </p:spTree>
     <p:extLst>
       <p:ext uri="{BB962C8B-B14F-4D97-AF65-F5344CB8AC3E}">
-        <p14:creationId xmlns:p14="http://schemas.microsoft.com/office/powerpoint/2010/main" val="1491462391"/>
+        <p14:creationId xmlns:p14="http://schemas.microsoft.com/office/powerpoint/2010/main" val="4127431264"/>
       </p:ext>
     </p:extLst>
   </p:cSld>
@@ -19811,7 +20244,290 @@
                 </a:solidFill>
                 <a:cs typeface="Segoe UI" panose="020B0502040204020203" pitchFamily="34" charset="0"/>
               </a:rPr>
-              <a:t>Customer quote</a:t>
+              <a:t>Preferred objections handling</a:t>
+            </a:r>
+            <a:br>
+              <a:rPr lang="en-US" dirty="0">
+                <a:solidFill>
+                  <a:schemeClr val="tx1"/>
+                </a:solidFill>
+                <a:latin typeface="Segoe UI" panose="020B0502040204020203" pitchFamily="34" charset="0"/>
+              </a:rPr>
+            </a:br>
+            <a:endParaRPr lang="en-US" sz="3236" dirty="0">
+              <a:solidFill>
+                <a:schemeClr val="tx1"/>
+              </a:solidFill>
+              <a:latin typeface="Segoe UI" panose="020B0502040204020203" pitchFamily="34" charset="0"/>
+            </a:endParaRPr>
+          </a:p>
+        </p:txBody>
+      </p:sp>
+      <p:sp>
+        <p:nvSpPr>
+          <p:cNvPr id="3" name="Content Placeholder 2"/>
+          <p:cNvSpPr>
+            <a:spLocks noGrp="1"/>
+          </p:cNvSpPr>
+          <p:nvPr>
+            <p:ph type="body" sz="quarter" idx="10"/>
+          </p:nvPr>
+        </p:nvSpPr>
+        <p:spPr>
+          <a:xfrm>
+            <a:off x="269239" y="966439"/>
+            <a:ext cx="11653523" cy="5179873"/>
+          </a:xfrm>
+        </p:spPr>
+        <p:txBody>
+          <a:bodyPr>
+            <a:noAutofit/>
+          </a:bodyPr>
+          <a:lstStyle/>
+          <a:p>
+            <a:pPr marL="0" indent="0">
+              <a:spcAft>
+                <a:spcPts val="882"/>
+              </a:spcAft>
+              <a:buNone/>
+            </a:pPr>
+            <a:r>
+              <a:rPr lang="en-US" sz="2800" i="1" dirty="0">
+                <a:solidFill>
+                  <a:schemeClr val="tx1"/>
+                </a:solidFill>
+                <a:latin typeface="+mn-lt"/>
+              </a:rPr>
+              <a:t>Will Azure give us control to schedule jobs when we want?</a:t>
+            </a:r>
+          </a:p>
+          <a:p>
+            <a:pPr>
+              <a:spcAft>
+                <a:spcPts val="882"/>
+              </a:spcAft>
+            </a:pPr>
+            <a:r>
+              <a:rPr lang="en-US" sz="2000" dirty="0">
+                <a:solidFill>
+                  <a:schemeClr val="tx1"/>
+                </a:solidFill>
+                <a:latin typeface="+mn-lt"/>
+              </a:rPr>
+              <a:t>Yes. With Azure Batch, jobs can be queued as normal, or sent to a queue and completed at desired times of day. </a:t>
+            </a:r>
+          </a:p>
+          <a:p>
+            <a:pPr marL="0" indent="0">
+              <a:spcAft>
+                <a:spcPts val="882"/>
+              </a:spcAft>
+              <a:buNone/>
+            </a:pPr>
+            <a:r>
+              <a:rPr lang="en-US" sz="2800" i="1" dirty="0">
+                <a:solidFill>
+                  <a:schemeClr val="tx1"/>
+                </a:solidFill>
+                <a:latin typeface="+mn-lt"/>
+              </a:rPr>
+              <a:t>Will the capacity be available on Azure when we want it?</a:t>
+            </a:r>
+          </a:p>
+          <a:p>
+            <a:pPr>
+              <a:spcAft>
+                <a:spcPts val="882"/>
+              </a:spcAft>
+            </a:pPr>
+            <a:r>
+              <a:rPr lang="en-US" sz="2000" dirty="0">
+                <a:solidFill>
+                  <a:schemeClr val="tx1"/>
+                </a:solidFill>
+                <a:latin typeface="+mn-lt"/>
+              </a:rPr>
+              <a:t>Typically, yes </a:t>
+            </a:r>
+          </a:p>
+          <a:p>
+            <a:pPr>
+              <a:spcAft>
+                <a:spcPts val="882"/>
+              </a:spcAft>
+            </a:pPr>
+            <a:r>
+              <a:rPr lang="en-US" sz="2000" dirty="0">
+                <a:solidFill>
+                  <a:schemeClr val="tx1"/>
+                </a:solidFill>
+                <a:latin typeface="+mn-lt"/>
+              </a:rPr>
+              <a:t>This is the benefit of using a large public cloud provider with resources at scale</a:t>
+            </a:r>
+          </a:p>
+          <a:p>
+            <a:pPr>
+              <a:spcAft>
+                <a:spcPts val="882"/>
+              </a:spcAft>
+            </a:pPr>
+            <a:r>
+              <a:rPr lang="en-US" sz="2000" dirty="0">
+                <a:solidFill>
+                  <a:schemeClr val="tx1"/>
+                </a:solidFill>
+                <a:latin typeface="+mn-lt"/>
+              </a:rPr>
+              <a:t>Need to consider default limits for specific resources in an Azure subscription and regional availability of specialized compute instances</a:t>
+            </a:r>
+            <a:endParaRPr lang="en-US" sz="1800" dirty="0">
+              <a:solidFill>
+                <a:schemeClr val="tx1"/>
+              </a:solidFill>
+              <a:latin typeface="+mn-lt"/>
+            </a:endParaRPr>
+          </a:p>
+          <a:p>
+            <a:pPr marL="0" indent="0">
+              <a:spcAft>
+                <a:spcPts val="882"/>
+              </a:spcAft>
+              <a:buNone/>
+            </a:pPr>
+            <a:r>
+              <a:rPr lang="en-US" sz="2800" i="1" dirty="0">
+                <a:solidFill>
+                  <a:schemeClr val="tx1"/>
+                </a:solidFill>
+                <a:latin typeface="+mn-lt"/>
+              </a:rPr>
+              <a:t>We heard Microsoft does Linux now. But how true is this? Will it work with our chosen Linux version? </a:t>
+            </a:r>
+          </a:p>
+          <a:p>
+            <a:pPr>
+              <a:spcAft>
+                <a:spcPts val="882"/>
+              </a:spcAft>
+            </a:pPr>
+            <a:r>
+              <a:rPr lang="en-US" sz="2000" dirty="0">
+                <a:solidFill>
+                  <a:schemeClr val="tx1"/>
+                </a:solidFill>
+                <a:latin typeface="+mn-lt"/>
+              </a:rPr>
+              <a:t>Yes, Microsoft loves Linux! Microsoft is committed to make Linux (and wider Open Source technologies) “a first class citizen” on Azure. </a:t>
+            </a:r>
+          </a:p>
+          <a:p>
+            <a:pPr>
+              <a:spcAft>
+                <a:spcPts val="882"/>
+              </a:spcAft>
+            </a:pPr>
+            <a:r>
+              <a:rPr lang="en-US" sz="2000" dirty="0">
+                <a:solidFill>
+                  <a:schemeClr val="tx1"/>
+                </a:solidFill>
+                <a:latin typeface="+mn-lt"/>
+              </a:rPr>
+              <a:t>You can choose to run Azure Marketplace images of various Linux distributions/versions, and you can also BYOL (Bring Your Own License) for Enterprise Linux versions you own</a:t>
+            </a:r>
+          </a:p>
+          <a:p>
+            <a:pPr marL="0" indent="0">
+              <a:spcAft>
+                <a:spcPts val="882"/>
+              </a:spcAft>
+              <a:buNone/>
+            </a:pPr>
+            <a:endParaRPr lang="en-US" sz="1800" dirty="0">
+              <a:solidFill>
+                <a:schemeClr val="tx1"/>
+              </a:solidFill>
+            </a:endParaRPr>
+          </a:p>
+          <a:p>
+            <a:pPr marL="0" indent="0">
+              <a:spcAft>
+                <a:spcPts val="882"/>
+              </a:spcAft>
+              <a:buNone/>
+            </a:pPr>
+            <a:endParaRPr lang="en-US" sz="2400" dirty="0">
+              <a:solidFill>
+                <a:schemeClr val="tx1"/>
+              </a:solidFill>
+            </a:endParaRPr>
+          </a:p>
+        </p:txBody>
+      </p:sp>
+    </p:spTree>
+    <p:extLst>
+      <p:ext uri="{BB962C8B-B14F-4D97-AF65-F5344CB8AC3E}">
+        <p14:creationId xmlns:p14="http://schemas.microsoft.com/office/powerpoint/2010/main" val="2371438961"/>
+      </p:ext>
+    </p:extLst>
+  </p:cSld>
+  <p:clrMapOvr>
+    <a:masterClrMapping/>
+  </p:clrMapOvr>
+  <mc:AlternateContent xmlns:mc="http://schemas.openxmlformats.org/markup-compatibility/2006" xmlns:p14="http://schemas.microsoft.com/office/powerpoint/2010/main">
+    <mc:Choice Requires="p14">
+      <p:transition p14:dur="0"/>
+    </mc:Choice>
+    <mc:Fallback xmlns="">
+      <p:transition/>
+    </mc:Fallback>
+  </mc:AlternateContent>
+</p:sld>
+</file>
+
+<file path=ppt/slides/slide29.xml><?xml version="1.0" encoding="utf-8"?>
+<p:sld xmlns:a="http://schemas.openxmlformats.org/drawingml/2006/main" xmlns:r="http://schemas.openxmlformats.org/officeDocument/2006/relationships" xmlns:p="http://schemas.openxmlformats.org/presentationml/2006/main">
+  <p:cSld>
+    <p:spTree>
+      <p:nvGrpSpPr>
+        <p:cNvPr id="1" name=""/>
+        <p:cNvGrpSpPr/>
+        <p:nvPr/>
+      </p:nvGrpSpPr>
+      <p:grpSpPr>
+        <a:xfrm>
+          <a:off x="0" y="0"/>
+          <a:ext cx="0" cy="0"/>
+          <a:chOff x="0" y="0"/>
+          <a:chExt cx="0" cy="0"/>
+        </a:xfrm>
+      </p:grpSpPr>
+      <p:sp>
+        <p:nvSpPr>
+          <p:cNvPr id="2" name="Title 1"/>
+          <p:cNvSpPr>
+            <a:spLocks noGrp="1"/>
+          </p:cNvSpPr>
+          <p:nvPr>
+            <p:ph type="title"/>
+          </p:nvPr>
+        </p:nvSpPr>
+        <p:spPr/>
+        <p:txBody>
+          <a:bodyPr>
+            <a:normAutofit fontScale="90000"/>
+          </a:bodyPr>
+          <a:lstStyle/>
+          <a:p>
+            <a:r>
+              <a:rPr lang="en-US" sz="4900" dirty="0">
+                <a:solidFill>
+                  <a:schemeClr val="tx1"/>
+                </a:solidFill>
+                <a:cs typeface="Segoe UI" panose="020B0502040204020203" pitchFamily="34" charset="0"/>
+              </a:rPr>
+              <a:t>Preferred objections handling</a:t>
             </a:r>
             <a:br>
               <a:rPr lang="en-US" dirty="0">
@@ -19843,12 +20559,12 @@
         <p:spPr>
           <a:xfrm>
             <a:off x="269239" y="1189176"/>
-            <a:ext cx="11653523" cy="3195255"/>
+            <a:ext cx="11653523" cy="5179873"/>
           </a:xfrm>
         </p:spPr>
         <p:txBody>
           <a:bodyPr>
-            <a:normAutofit/>
+            <a:noAutofit/>
           </a:bodyPr>
           <a:lstStyle/>
           <a:p>
@@ -19859,28 +20575,57 @@
               <a:buNone/>
             </a:pPr>
             <a:r>
-              <a:rPr lang="en-US" sz="3200" i="1" dirty="0">
+              <a:rPr lang="en-US" sz="3600" i="1" dirty="0">
                 <a:solidFill>
                   <a:schemeClr val="tx1"/>
                 </a:solidFill>
               </a:rPr>
-              <a:t>“With Big Compute power via Azure at our fingertips, we are able to control our delivery – large or small, slow or fast – for our customers, as well as allowing our own team to collaborate and share better, focusing less on fixing hardware, and more on thinking and rendering!”</a:t>
-            </a:r>
-          </a:p>
-          <a:p>
-            <a:pPr marL="0" indent="0" algn="r">
+              <a:t>We have petabytes of data on-premises. It would cost us a fortune and take ages to move this to the cloud!</a:t>
+            </a:r>
+          </a:p>
+          <a:p>
+            <a:pPr>
               <a:spcAft>
                 <a:spcPts val="882"/>
               </a:spcAft>
-              <a:buNone/>
             </a:pPr>
             <a:r>
-              <a:rPr lang="en-US" sz="3000" dirty="0">
+              <a:rPr lang="en-US" sz="2800" dirty="0">
                 <a:solidFill>
                   <a:schemeClr val="tx1"/>
                 </a:solidFill>
               </a:rPr>
-              <a:t>- Thomas Pix, CIO of ThoughtRender</a:t>
+              <a:t>This can be a challenge</a:t>
+            </a:r>
+          </a:p>
+          <a:p>
+            <a:pPr>
+              <a:spcAft>
+                <a:spcPts val="882"/>
+              </a:spcAft>
+            </a:pPr>
+            <a:r>
+              <a:rPr lang="en-US" sz="2800" dirty="0">
+                <a:solidFill>
+                  <a:schemeClr val="tx1"/>
+                </a:solidFill>
+              </a:rPr>
+              <a:t>A dedicated connection to Azure via ExpressRoute may help</a:t>
+            </a:r>
+          </a:p>
+          <a:p>
+            <a:pPr>
+              <a:spcAft>
+                <a:spcPts val="882"/>
+              </a:spcAft>
+            </a:pPr>
+            <a:r>
+              <a:rPr lang="en-US" sz="2800" dirty="0">
+                <a:solidFill>
+                  <a:schemeClr val="tx1"/>
+                </a:solidFill>
+              </a:rPr>
+              <a:t>Alternately, consider optimized tools for transferring data. This includes Azcopy (an open source tool from Microsoft), or commercial tools such as Signiant, Aspera, or FileCatalyst With Azure Batch; jobs can be queued as normal, or sent to a queue and completed at desired times of the day. </a:t>
             </a:r>
           </a:p>
           <a:p>
@@ -19896,38 +20641,12 @@
               </a:solidFill>
             </a:endParaRPr>
           </a:p>
-          <a:p>
-            <a:pPr marL="0" indent="0">
-              <a:spcAft>
-                <a:spcPts val="882"/>
-              </a:spcAft>
-              <a:buNone/>
-            </a:pPr>
-            <a:endParaRPr lang="en-US" sz="2400" dirty="0">
-              <a:solidFill>
-                <a:schemeClr val="tx1"/>
-              </a:solidFill>
-            </a:endParaRPr>
-          </a:p>
-          <a:p>
-            <a:pPr marL="0" indent="0">
-              <a:spcAft>
-                <a:spcPts val="882"/>
-              </a:spcAft>
-              <a:buNone/>
-            </a:pPr>
-            <a:endParaRPr lang="en-US" sz="1800" dirty="0">
-              <a:solidFill>
-                <a:schemeClr val="tx1"/>
-              </a:solidFill>
-            </a:endParaRPr>
-          </a:p>
         </p:txBody>
       </p:sp>
     </p:spTree>
     <p:extLst>
       <p:ext uri="{BB962C8B-B14F-4D97-AF65-F5344CB8AC3E}">
-        <p14:creationId xmlns:p14="http://schemas.microsoft.com/office/powerpoint/2010/main" val="2584764470"/>
+        <p14:creationId xmlns:p14="http://schemas.microsoft.com/office/powerpoint/2010/main" val="1680624684"/>
       </p:ext>
     </p:extLst>
   </p:cSld>
@@ -20110,6 +20829,475 @@
     <p:extLst>
       <p:ext uri="{BB962C8B-B14F-4D97-AF65-F5344CB8AC3E}">
         <p14:creationId xmlns:p14="http://schemas.microsoft.com/office/powerpoint/2010/main" val="2071289292"/>
+      </p:ext>
+    </p:extLst>
+  </p:cSld>
+  <p:clrMapOvr>
+    <a:masterClrMapping/>
+  </p:clrMapOvr>
+  <mc:AlternateContent xmlns:mc="http://schemas.openxmlformats.org/markup-compatibility/2006" xmlns:p14="http://schemas.microsoft.com/office/powerpoint/2010/main">
+    <mc:Choice Requires="p14">
+      <p:transition p14:dur="0"/>
+    </mc:Choice>
+    <mc:Fallback xmlns="">
+      <p:transition/>
+    </mc:Fallback>
+  </mc:AlternateContent>
+</p:sld>
+</file>
+
+<file path=ppt/slides/slide30.xml><?xml version="1.0" encoding="utf-8"?>
+<p:sld xmlns:a="http://schemas.openxmlformats.org/drawingml/2006/main" xmlns:r="http://schemas.openxmlformats.org/officeDocument/2006/relationships" xmlns:p="http://schemas.openxmlformats.org/presentationml/2006/main">
+  <p:cSld>
+    <p:spTree>
+      <p:nvGrpSpPr>
+        <p:cNvPr id="1" name=""/>
+        <p:cNvGrpSpPr/>
+        <p:nvPr/>
+      </p:nvGrpSpPr>
+      <p:grpSpPr>
+        <a:xfrm>
+          <a:off x="0" y="0"/>
+          <a:ext cx="0" cy="0"/>
+          <a:chOff x="0" y="0"/>
+          <a:chExt cx="0" cy="0"/>
+        </a:xfrm>
+      </p:grpSpPr>
+      <p:sp>
+        <p:nvSpPr>
+          <p:cNvPr id="2" name="Title 1"/>
+          <p:cNvSpPr>
+            <a:spLocks noGrp="1"/>
+          </p:cNvSpPr>
+          <p:nvPr>
+            <p:ph type="title"/>
+          </p:nvPr>
+        </p:nvSpPr>
+        <p:spPr/>
+        <p:txBody>
+          <a:bodyPr>
+            <a:normAutofit fontScale="90000"/>
+          </a:bodyPr>
+          <a:lstStyle/>
+          <a:p>
+            <a:r>
+              <a:rPr lang="en-US" sz="4900" dirty="0">
+                <a:solidFill>
+                  <a:schemeClr val="tx1"/>
+                </a:solidFill>
+                <a:cs typeface="Segoe UI" panose="020B0502040204020203" pitchFamily="34" charset="0"/>
+              </a:rPr>
+              <a:t>Preferred objections handling</a:t>
+            </a:r>
+            <a:br>
+              <a:rPr lang="en-US" dirty="0">
+                <a:solidFill>
+                  <a:schemeClr val="tx1"/>
+                </a:solidFill>
+                <a:latin typeface="Segoe UI" panose="020B0502040204020203" pitchFamily="34" charset="0"/>
+              </a:rPr>
+            </a:br>
+            <a:endParaRPr lang="en-US" sz="3236" dirty="0">
+              <a:solidFill>
+                <a:schemeClr val="tx1"/>
+              </a:solidFill>
+              <a:latin typeface="Segoe UI" panose="020B0502040204020203" pitchFamily="34" charset="0"/>
+            </a:endParaRPr>
+          </a:p>
+        </p:txBody>
+      </p:sp>
+      <p:sp>
+        <p:nvSpPr>
+          <p:cNvPr id="3" name="Content Placeholder 2"/>
+          <p:cNvSpPr>
+            <a:spLocks noGrp="1"/>
+          </p:cNvSpPr>
+          <p:nvPr>
+            <p:ph type="body" sz="quarter" idx="10"/>
+          </p:nvPr>
+        </p:nvSpPr>
+        <p:spPr>
+          <a:xfrm>
+            <a:off x="269239" y="1189176"/>
+            <a:ext cx="11653523" cy="5179873"/>
+          </a:xfrm>
+        </p:spPr>
+        <p:txBody>
+          <a:bodyPr>
+            <a:noAutofit/>
+          </a:bodyPr>
+          <a:lstStyle/>
+          <a:p>
+            <a:pPr marL="0" indent="0">
+              <a:spcAft>
+                <a:spcPts val="882"/>
+              </a:spcAft>
+              <a:buNone/>
+            </a:pPr>
+            <a:r>
+              <a:rPr lang="en-US" sz="3600" i="1" dirty="0">
+                <a:solidFill>
+                  <a:schemeClr val="tx1"/>
+                </a:solidFill>
+              </a:rPr>
+              <a:t>We heard collaboration is possible for 3D imaging workstations. But we have very specific color requirements and buy top-end workstation equipment for our users. Our users just wouldn't get the interaction performance they require with something "remote" in the cloud. </a:t>
+            </a:r>
+          </a:p>
+          <a:p>
+            <a:pPr marL="0" indent="0">
+              <a:spcAft>
+                <a:spcPts val="882"/>
+              </a:spcAft>
+              <a:buNone/>
+            </a:pPr>
+            <a:endParaRPr lang="en-US" sz="1400" i="1" dirty="0">
+              <a:solidFill>
+                <a:schemeClr val="tx1"/>
+              </a:solidFill>
+            </a:endParaRPr>
+          </a:p>
+          <a:p>
+            <a:pPr>
+              <a:spcAft>
+                <a:spcPts val="882"/>
+              </a:spcAft>
+            </a:pPr>
+            <a:r>
+              <a:rPr lang="en-US" sz="2800" dirty="0">
+                <a:solidFill>
+                  <a:schemeClr val="tx1"/>
+                </a:solidFill>
+              </a:rPr>
+              <a:t>With specific software tools from our partners such as Teradici, specialized solutions exist for exactly this requirement. </a:t>
+            </a:r>
+          </a:p>
+        </p:txBody>
+      </p:sp>
+    </p:spTree>
+    <p:extLst>
+      <p:ext uri="{BB962C8B-B14F-4D97-AF65-F5344CB8AC3E}">
+        <p14:creationId xmlns:p14="http://schemas.microsoft.com/office/powerpoint/2010/main" val="335404258"/>
+      </p:ext>
+    </p:extLst>
+  </p:cSld>
+  <p:clrMapOvr>
+    <a:masterClrMapping/>
+  </p:clrMapOvr>
+  <mc:AlternateContent xmlns:mc="http://schemas.openxmlformats.org/markup-compatibility/2006" xmlns:p14="http://schemas.microsoft.com/office/powerpoint/2010/main">
+    <mc:Choice Requires="p14">
+      <p:transition p14:dur="0"/>
+    </mc:Choice>
+    <mc:Fallback xmlns="">
+      <p:transition/>
+    </mc:Fallback>
+  </mc:AlternateContent>
+</p:sld>
+</file>
+
+<file path=ppt/slides/slide31.xml><?xml version="1.0" encoding="utf-8"?>
+<p:sld xmlns:a="http://schemas.openxmlformats.org/drawingml/2006/main" xmlns:r="http://schemas.openxmlformats.org/officeDocument/2006/relationships" xmlns:p="http://schemas.openxmlformats.org/presentationml/2006/main">
+  <p:cSld>
+    <p:spTree>
+      <p:nvGrpSpPr>
+        <p:cNvPr id="1" name=""/>
+        <p:cNvGrpSpPr/>
+        <p:nvPr/>
+      </p:nvGrpSpPr>
+      <p:grpSpPr>
+        <a:xfrm>
+          <a:off x="0" y="0"/>
+          <a:ext cx="0" cy="0"/>
+          <a:chOff x="0" y="0"/>
+          <a:chExt cx="0" cy="0"/>
+        </a:xfrm>
+      </p:grpSpPr>
+      <p:sp>
+        <p:nvSpPr>
+          <p:cNvPr id="2" name="Title 1"/>
+          <p:cNvSpPr>
+            <a:spLocks noGrp="1"/>
+          </p:cNvSpPr>
+          <p:nvPr>
+            <p:ph type="title"/>
+          </p:nvPr>
+        </p:nvSpPr>
+        <p:spPr/>
+        <p:txBody>
+          <a:bodyPr>
+            <a:normAutofit fontScale="90000"/>
+          </a:bodyPr>
+          <a:lstStyle/>
+          <a:p>
+            <a:r>
+              <a:rPr lang="en-US" sz="4900" dirty="0">
+                <a:solidFill>
+                  <a:schemeClr val="tx1"/>
+                </a:solidFill>
+                <a:cs typeface="Segoe UI" panose="020B0502040204020203" pitchFamily="34" charset="0"/>
+              </a:rPr>
+              <a:t>Preferred objections handling</a:t>
+            </a:r>
+            <a:br>
+              <a:rPr lang="en-US" dirty="0">
+                <a:solidFill>
+                  <a:schemeClr val="tx1"/>
+                </a:solidFill>
+                <a:latin typeface="Segoe UI" panose="020B0502040204020203" pitchFamily="34" charset="0"/>
+              </a:rPr>
+            </a:br>
+            <a:endParaRPr lang="en-US" sz="3236" dirty="0">
+              <a:solidFill>
+                <a:schemeClr val="tx1"/>
+              </a:solidFill>
+              <a:latin typeface="Segoe UI" panose="020B0502040204020203" pitchFamily="34" charset="0"/>
+            </a:endParaRPr>
+          </a:p>
+        </p:txBody>
+      </p:sp>
+      <p:sp>
+        <p:nvSpPr>
+          <p:cNvPr id="3" name="Content Placeholder 2"/>
+          <p:cNvSpPr>
+            <a:spLocks noGrp="1"/>
+          </p:cNvSpPr>
+          <p:nvPr>
+            <p:ph type="body" sz="quarter" idx="10"/>
+          </p:nvPr>
+        </p:nvSpPr>
+        <p:spPr>
+          <a:xfrm>
+            <a:off x="269239" y="1189176"/>
+            <a:ext cx="11653523" cy="5179873"/>
+          </a:xfrm>
+        </p:spPr>
+        <p:txBody>
+          <a:bodyPr>
+            <a:noAutofit/>
+          </a:bodyPr>
+          <a:lstStyle/>
+          <a:p>
+            <a:pPr marL="0" indent="0">
+              <a:spcAft>
+                <a:spcPts val="882"/>
+              </a:spcAft>
+              <a:buNone/>
+            </a:pPr>
+            <a:r>
+              <a:rPr lang="en-US" i="1" dirty="0"/>
+              <a:t>Will this take jobs away from our IT system administrators and HPC engineers?</a:t>
+            </a:r>
+          </a:p>
+          <a:p>
+            <a:pPr>
+              <a:spcAft>
+                <a:spcPts val="882"/>
+              </a:spcAft>
+            </a:pPr>
+            <a:r>
+              <a:rPr lang="en-US" sz="2800" dirty="0">
+                <a:solidFill>
+                  <a:schemeClr val="tx1"/>
+                </a:solidFill>
+              </a:rPr>
+              <a:t>No, IT system administrators can still maintain the systems in Azure, giving the users and the business insight via monitoring, logs, and can more easily respond to requests for new systems</a:t>
+            </a:r>
+          </a:p>
+          <a:p>
+            <a:pPr>
+              <a:spcAft>
+                <a:spcPts val="882"/>
+              </a:spcAft>
+            </a:pPr>
+            <a:r>
+              <a:rPr lang="en-US" sz="2800" dirty="0">
+                <a:solidFill>
+                  <a:schemeClr val="tx1"/>
+                </a:solidFill>
+              </a:rPr>
+              <a:t>HPC engineers can focus on taking advantage of the latest technologies in Azure to improve performance</a:t>
+            </a:r>
+          </a:p>
+        </p:txBody>
+      </p:sp>
+    </p:spTree>
+    <p:extLst>
+      <p:ext uri="{BB962C8B-B14F-4D97-AF65-F5344CB8AC3E}">
+        <p14:creationId xmlns:p14="http://schemas.microsoft.com/office/powerpoint/2010/main" val="1491462391"/>
+      </p:ext>
+    </p:extLst>
+  </p:cSld>
+  <p:clrMapOvr>
+    <a:masterClrMapping/>
+  </p:clrMapOvr>
+  <mc:AlternateContent xmlns:mc="http://schemas.openxmlformats.org/markup-compatibility/2006" xmlns:p14="http://schemas.microsoft.com/office/powerpoint/2010/main">
+    <mc:Choice Requires="p14">
+      <p:transition p14:dur="0"/>
+    </mc:Choice>
+    <mc:Fallback xmlns="">
+      <p:transition/>
+    </mc:Fallback>
+  </mc:AlternateContent>
+</p:sld>
+</file>
+
+<file path=ppt/slides/slide32.xml><?xml version="1.0" encoding="utf-8"?>
+<p:sld xmlns:a="http://schemas.openxmlformats.org/drawingml/2006/main" xmlns:r="http://schemas.openxmlformats.org/officeDocument/2006/relationships" xmlns:p="http://schemas.openxmlformats.org/presentationml/2006/main">
+  <p:cSld>
+    <p:spTree>
+      <p:nvGrpSpPr>
+        <p:cNvPr id="1" name=""/>
+        <p:cNvGrpSpPr/>
+        <p:nvPr/>
+      </p:nvGrpSpPr>
+      <p:grpSpPr>
+        <a:xfrm>
+          <a:off x="0" y="0"/>
+          <a:ext cx="0" cy="0"/>
+          <a:chOff x="0" y="0"/>
+          <a:chExt cx="0" cy="0"/>
+        </a:xfrm>
+      </p:grpSpPr>
+      <p:sp>
+        <p:nvSpPr>
+          <p:cNvPr id="2" name="Title 1"/>
+          <p:cNvSpPr>
+            <a:spLocks noGrp="1"/>
+          </p:cNvSpPr>
+          <p:nvPr>
+            <p:ph type="title"/>
+          </p:nvPr>
+        </p:nvSpPr>
+        <p:spPr/>
+        <p:txBody>
+          <a:bodyPr>
+            <a:normAutofit fontScale="90000"/>
+          </a:bodyPr>
+          <a:lstStyle/>
+          <a:p>
+            <a:r>
+              <a:rPr lang="en-US" sz="4900" dirty="0">
+                <a:solidFill>
+                  <a:schemeClr val="tx1"/>
+                </a:solidFill>
+                <a:cs typeface="Segoe UI" panose="020B0502040204020203" pitchFamily="34" charset="0"/>
+              </a:rPr>
+              <a:t>Customer quote</a:t>
+            </a:r>
+            <a:br>
+              <a:rPr lang="en-US" dirty="0">
+                <a:solidFill>
+                  <a:schemeClr val="tx1"/>
+                </a:solidFill>
+                <a:latin typeface="Segoe UI" panose="020B0502040204020203" pitchFamily="34" charset="0"/>
+              </a:rPr>
+            </a:br>
+            <a:endParaRPr lang="en-US" sz="3236" dirty="0">
+              <a:solidFill>
+                <a:schemeClr val="tx1"/>
+              </a:solidFill>
+              <a:latin typeface="Segoe UI" panose="020B0502040204020203" pitchFamily="34" charset="0"/>
+            </a:endParaRPr>
+          </a:p>
+        </p:txBody>
+      </p:sp>
+      <p:sp>
+        <p:nvSpPr>
+          <p:cNvPr id="3" name="Content Placeholder 2"/>
+          <p:cNvSpPr>
+            <a:spLocks noGrp="1"/>
+          </p:cNvSpPr>
+          <p:nvPr>
+            <p:ph type="body" sz="quarter" idx="10"/>
+          </p:nvPr>
+        </p:nvSpPr>
+        <p:spPr>
+          <a:xfrm>
+            <a:off x="269239" y="1189176"/>
+            <a:ext cx="11653523" cy="3195255"/>
+          </a:xfrm>
+        </p:spPr>
+        <p:txBody>
+          <a:bodyPr>
+            <a:normAutofit/>
+          </a:bodyPr>
+          <a:lstStyle/>
+          <a:p>
+            <a:pPr marL="0" indent="0">
+              <a:spcAft>
+                <a:spcPts val="882"/>
+              </a:spcAft>
+              <a:buNone/>
+            </a:pPr>
+            <a:r>
+              <a:rPr lang="en-US" sz="3200" i="1" dirty="0">
+                <a:solidFill>
+                  <a:schemeClr val="tx1"/>
+                </a:solidFill>
+              </a:rPr>
+              <a:t>“With Big Compute power via Azure at our fingertips, we are able to control our delivery – large or small, slow or fast – for our customers, as well as allowing our own team to collaborate and share better, focusing less on fixing hardware, and more on thinking and rendering!”</a:t>
+            </a:r>
+          </a:p>
+          <a:p>
+            <a:pPr marL="0" indent="0" algn="r">
+              <a:spcAft>
+                <a:spcPts val="882"/>
+              </a:spcAft>
+              <a:buNone/>
+            </a:pPr>
+            <a:r>
+              <a:rPr lang="en-US" sz="3000" dirty="0">
+                <a:solidFill>
+                  <a:schemeClr val="tx1"/>
+                </a:solidFill>
+              </a:rPr>
+              <a:t>- Thomas Pix, CIO of ThoughtRender</a:t>
+            </a:r>
+          </a:p>
+          <a:p>
+            <a:pPr marL="0" indent="0">
+              <a:spcAft>
+                <a:spcPts val="882"/>
+              </a:spcAft>
+              <a:buNone/>
+            </a:pPr>
+            <a:endParaRPr lang="en-US" sz="2400" dirty="0">
+              <a:solidFill>
+                <a:schemeClr val="tx1"/>
+              </a:solidFill>
+            </a:endParaRPr>
+          </a:p>
+          <a:p>
+            <a:pPr marL="0" indent="0">
+              <a:spcAft>
+                <a:spcPts val="882"/>
+              </a:spcAft>
+              <a:buNone/>
+            </a:pPr>
+            <a:endParaRPr lang="en-US" sz="2400" dirty="0">
+              <a:solidFill>
+                <a:schemeClr val="tx1"/>
+              </a:solidFill>
+            </a:endParaRPr>
+          </a:p>
+          <a:p>
+            <a:pPr marL="0" indent="0">
+              <a:spcAft>
+                <a:spcPts val="882"/>
+              </a:spcAft>
+              <a:buNone/>
+            </a:pPr>
+            <a:endParaRPr lang="en-US" sz="1800" dirty="0">
+              <a:solidFill>
+                <a:schemeClr val="tx1"/>
+              </a:solidFill>
+            </a:endParaRPr>
+          </a:p>
+        </p:txBody>
+      </p:sp>
+    </p:spTree>
+    <p:extLst>
+      <p:ext uri="{BB962C8B-B14F-4D97-AF65-F5344CB8AC3E}">
+        <p14:creationId xmlns:p14="http://schemas.microsoft.com/office/powerpoint/2010/main" val="2584764470"/>
       </p:ext>
     </p:extLst>
   </p:cSld>

--- a/Whiteboard design session/WDS trainer presentation - Big Compute.pptx
+++ b/Whiteboard design session/WDS trainer presentation - Big Compute.pptx
@@ -240,7 +240,7 @@
           <a:p>
             <a:fld id="{52A13B17-C506-4D51-BB37-16B365906619}" type="datetimeFigureOut">
               <a:rPr lang="en-US" smtClean="0"/>
-              <a:t>7/31/2018</a:t>
+              <a:t>9/30/2018</a:t>
             </a:fld>
             <a:endParaRPr lang="en-US" dirty="0"/>
           </a:p>
@@ -17592,7 +17592,12 @@
             <p:ph type="title"/>
           </p:nvPr>
         </p:nvSpPr>
-        <p:spPr/>
+        <p:spPr>
+          <a:xfrm>
+            <a:off x="269240" y="276811"/>
+            <a:ext cx="11655840" cy="899665"/>
+          </a:xfrm>
+        </p:spPr>
         <p:txBody>
           <a:bodyPr>
             <a:normAutofit fontScale="90000"/>
@@ -18327,7 +18332,7 @@
             </a:pPr>
             <a:r>
               <a:rPr lang="en-US" sz="2000" dirty="0"/>
-              <a:t>Leverage Batch Labs and the Azure Portal for management and monitoring</a:t>
+              <a:t>Leverage Batch Explorer and the Azure Portal for management and monitoring</a:t>
             </a:r>
           </a:p>
           <a:p>
